--- a/posts/4/slides.pptx
+++ b/posts/4/slides.pptx
@@ -3945,54 +3945,6 @@
           </a:fontRef>
         </p:style>
       </p:sp>
-      <p:sp>
-        <p:nvSpPr>
-          <p:cNvPr id="2049656921" name="TextBox 6"/>
-          <p:cNvSpPr txBox="1"/>
-          <p:nvPr/>
-        </p:nvSpPr>
-        <p:spPr bwMode="auto">
-          <a:xfrm rot="0" flipH="0" flipV="0">
-            <a:off x="-291596" y="163461"/>
-            <a:ext cx="11029521" cy="782552"/>
-          </a:xfrm>
-          <a:prstGeom prst="rect">
-            <a:avLst/>
-          </a:prstGeom>
-        </p:spPr>
-        <p:txBody>
-          <a:bodyPr lIns="0" tIns="0" rIns="0" bIns="0" rtlCol="0" anchor="t">
-            <a:spAutoFit/>
-          </a:bodyPr>
-          <a:lstStyle/>
-          <a:p>
-            <a:pPr algn="ctr">
-              <a:lnSpc>
-                <a:spcPts val="6159"/>
-              </a:lnSpc>
-              <a:defRPr/>
-            </a:pPr>
-            <a:r>
-              <a:rPr lang="en-US" sz="2600" b="0">
-                <a:solidFill>
-                  <a:schemeClr val="bg1"/>
-                </a:solidFill>
-                <a:latin typeface="Agave"/>
-                <a:ea typeface="Agave"/>
-                <a:cs typeface="Agave"/>
-              </a:rPr>
-              <a:t>Mother’s Education Level and Childhood Malaria Infections</a:t>
-            </a:r>
-            <a:endParaRPr sz="2600" b="0">
-              <a:solidFill>
-                <a:schemeClr val="bg1"/>
-              </a:solidFill>
-              <a:latin typeface="Tinos"/>
-              <a:cs typeface="Tinos"/>
-            </a:endParaRPr>
-          </a:p>
-        </p:txBody>
-      </p:sp>
       <p:pic>
         <p:nvPicPr>
           <p:cNvPr id="1181590362" name=""/>
@@ -4314,6 +4266,54 @@
                 <a:cs typeface="Agave"/>
               </a:rPr>
               <a:t>Counsels on Lifestyle</a:t>
+            </a:r>
+            <a:endParaRPr sz="2600" b="0">
+              <a:solidFill>
+                <a:schemeClr val="bg1"/>
+              </a:solidFill>
+              <a:latin typeface="Tinos"/>
+              <a:cs typeface="Tinos"/>
+            </a:endParaRPr>
+          </a:p>
+        </p:txBody>
+      </p:sp>
+      <p:sp>
+        <p:nvSpPr>
+          <p:cNvPr id="389795454" name="TextBox 6"/>
+          <p:cNvSpPr txBox="1"/>
+          <p:nvPr/>
+        </p:nvSpPr>
+        <p:spPr bwMode="auto">
+          <a:xfrm rot="0" flipH="0" flipV="0">
+            <a:off x="-414855" y="163459"/>
+            <a:ext cx="11106559" cy="782425"/>
+          </a:xfrm>
+          <a:prstGeom prst="rect">
+            <a:avLst/>
+          </a:prstGeom>
+        </p:spPr>
+        <p:txBody>
+          <a:bodyPr lIns="0" tIns="0" rIns="0" bIns="0" rtlCol="0" anchor="t">
+            <a:spAutoFit/>
+          </a:bodyPr>
+          <a:lstStyle/>
+          <a:p>
+            <a:pPr algn="ctr">
+              <a:lnSpc>
+                <a:spcPts val="6157"/>
+              </a:lnSpc>
+              <a:defRPr/>
+            </a:pPr>
+            <a:r>
+              <a:rPr lang="en-US" sz="2600" b="0">
+                <a:solidFill>
+                  <a:schemeClr val="bg1"/>
+                </a:solidFill>
+                <a:latin typeface="Agave"/>
+                <a:ea typeface="Agave"/>
+                <a:cs typeface="Agave"/>
+              </a:rPr>
+              <a:t>Educated Mothers and Rates of Childhood Malaria Infections</a:t>
             </a:r>
             <a:endParaRPr sz="2600" b="0">
               <a:solidFill>
@@ -4465,8 +4465,8 @@
         </p:nvSpPr>
         <p:spPr bwMode="auto">
           <a:xfrm flipH="0" flipV="0">
-            <a:off x="970763" y="1323640"/>
-            <a:ext cx="8513791" cy="9052920"/>
+            <a:off x="970762" y="1323639"/>
+            <a:ext cx="8525310" cy="10333079"/>
           </a:xfrm>
           <a:prstGeom prst="rect">
             <a:avLst/>
@@ -4519,7 +4519,7 @@
             <a:r>
               <a:rPr lang="en-US" sz="2800" b="0" i="0" u="none" strike="noStrike" cap="none" spc="0">
                 <a:solidFill>
-                  <a:schemeClr val="accent3"/>
+                  <a:srgbClr val="00B0F0"/>
                 </a:solidFill>
                 <a:latin typeface="Agave"/>
                 <a:ea typeface="Agave"/>
@@ -4530,7 +4530,7 @@
             <a:r>
               <a:rPr lang="en-US" sz="2800" b="0" i="0" u="none" strike="noStrike" cap="none" spc="0">
                 <a:solidFill>
-                  <a:schemeClr val="accent3"/>
+                  <a:srgbClr val="00B0F0"/>
                 </a:solidFill>
                 <a:latin typeface="Agave"/>
                 <a:ea typeface="Agave"/>
@@ -4552,7 +4552,7 @@
             <a:r>
               <a:rPr lang="en-US" sz="2800" b="0" i="0" u="none" strike="noStrike" cap="none" spc="0">
                 <a:solidFill>
-                  <a:schemeClr val="accent3"/>
+                  <a:srgbClr val="FFC000"/>
                 </a:solidFill>
                 <a:latin typeface="Agave"/>
                 <a:ea typeface="Agave"/>
@@ -4563,7 +4563,7 @@
             <a:r>
               <a:rPr lang="en-US" sz="2800" b="0" i="0" u="none" strike="noStrike" cap="none" spc="0">
                 <a:solidFill>
-                  <a:schemeClr val="accent3"/>
+                  <a:srgbClr val="FFC000"/>
                 </a:solidFill>
                 <a:latin typeface="Agave"/>
                 <a:ea typeface="Agave"/>
@@ -4633,7 +4633,7 @@
             <a:r>
               <a:rPr lang="en-US" sz="2800" b="0" i="0" u="none" strike="noStrike" cap="none" spc="0">
                 <a:solidFill>
-                  <a:schemeClr val="accent3"/>
+                  <a:srgbClr val="00B0F0"/>
                 </a:solidFill>
                 <a:latin typeface="Agave"/>
                 <a:ea typeface="Agave"/>
@@ -4644,7 +4644,7 @@
             <a:r>
               <a:rPr lang="en-US" sz="2800" b="0" i="0" u="none" strike="noStrike" cap="none" spc="0">
                 <a:solidFill>
-                  <a:schemeClr val="accent3"/>
+                  <a:srgbClr val="00B0F0"/>
                 </a:solidFill>
                 <a:latin typeface="Agave"/>
                 <a:ea typeface="Agave"/>
@@ -4770,7 +4770,7 @@
             <a:r>
               <a:rPr lang="en-US" sz="2800" b="0" i="0" u="none" strike="noStrike" cap="none" spc="0">
                 <a:solidFill>
-                  <a:schemeClr val="accent3"/>
+                  <a:srgbClr val="00B0F0"/>
                 </a:solidFill>
                 <a:latin typeface="Agave"/>
                 <a:ea typeface="Agave"/>
@@ -4780,7 +4780,7 @@
             </a:r>
             <a:endParaRPr sz="2800" b="0" i="0" u="none" strike="noStrike" cap="none" spc="0">
               <a:solidFill>
-                <a:schemeClr val="accent3"/>
+                <a:srgbClr val="00B0F0"/>
               </a:solidFill>
               <a:latin typeface="Agave"/>
               <a:cs typeface="Agave"/>
@@ -4793,103 +4793,91 @@
             <a:r>
               <a:rPr lang="en-US" sz="2800" b="0" i="0" u="none" strike="noStrike" cap="none" spc="0">
                 <a:solidFill>
+                  <a:srgbClr val="00B0F0"/>
+                </a:solidFill>
+                <a:latin typeface="Agave"/>
+                <a:ea typeface="Agave"/>
+                <a:cs typeface="Agave"/>
+              </a:rPr>
+              <a:t>causes of malaria</a:t>
+            </a:r>
+            <a:r>
+              <a:rPr lang="en-US" sz="2800" b="0" i="0" u="none" strike="noStrike" cap="none" spc="0">
+                <a:solidFill>
+                  <a:schemeClr val="bg1"/>
+                </a:solidFill>
+                <a:latin typeface="Agave"/>
+                <a:ea typeface="Agave"/>
+                <a:cs typeface="Agave"/>
+              </a:rPr>
+              <a:t> are </a:t>
+            </a:r>
+            <a:r>
+              <a:rPr lang="en-US" sz="2800" b="0" i="0" u="none" strike="noStrike" cap="none" spc="0">
+                <a:solidFill>
+                  <a:srgbClr val="FFC000"/>
+                </a:solidFill>
+                <a:latin typeface="Agave"/>
+                <a:ea typeface="Agave"/>
+                <a:cs typeface="Agave"/>
+              </a:rPr>
+              <a:t>less likely to recognize malaria symptoms</a:t>
+            </a:r>
+            <a:r>
+              <a:rPr lang="en-US" sz="2800" b="0" i="0" u="none" strike="noStrike" cap="none" spc="0">
+                <a:solidFill>
+                  <a:schemeClr val="bg1"/>
+                </a:solidFill>
+                <a:latin typeface="Agave"/>
+                <a:ea typeface="Agave"/>
+                <a:cs typeface="Agave"/>
+              </a:rPr>
+              <a:t> </a:t>
+            </a:r>
+            <a:r>
+              <a:rPr lang="en-US" sz="2800" b="0" i="0" u="none" strike="noStrike" cap="none" spc="0">
+                <a:solidFill>
+                  <a:schemeClr val="bg1"/>
+                </a:solidFill>
+                <a:latin typeface="Agave"/>
+                <a:ea typeface="Agave"/>
+                <a:cs typeface="Agave"/>
+              </a:rPr>
+              <a:t>or </a:t>
+            </a:r>
+            <a:r>
+              <a:rPr lang="en-US" sz="2800" b="0" i="0" u="none" strike="noStrike" cap="none" spc="0">
+                <a:solidFill>
                   <a:schemeClr val="accent3"/>
                 </a:solidFill>
                 <a:latin typeface="Agave"/>
                 <a:ea typeface="Agave"/>
                 <a:cs typeface="Agave"/>
               </a:rPr>
-              <a:t>causes of malaria</a:t>
+              <a:t>take proper and prompt actions when their children became </a:t>
             </a:r>
             <a:r>
               <a:rPr lang="en-US" sz="2800" b="0" i="0" u="none" strike="noStrike" cap="none" spc="0">
                 <a:solidFill>
+                  <a:schemeClr val="accent3"/>
+                </a:solidFill>
+                <a:latin typeface="Agave"/>
+                <a:ea typeface="Agave"/>
+                <a:cs typeface="Agave"/>
+              </a:rPr>
+              <a:t>sick</a:t>
+            </a:r>
+            <a:r>
+              <a:rPr lang="en-US" sz="2800" b="0" i="0" u="none" strike="noStrike" cap="none" spc="0">
+                <a:solidFill>
                   <a:schemeClr val="bg1"/>
                 </a:solidFill>
                 <a:latin typeface="Agave"/>
                 <a:ea typeface="Agave"/>
                 <a:cs typeface="Agave"/>
               </a:rPr>
-              <a:t> are </a:t>
-            </a:r>
-            <a:r>
-              <a:rPr lang="en-US" sz="2800" b="0" i="0" u="none" strike="noStrike" cap="none" spc="0">
-                <a:solidFill>
-                  <a:schemeClr val="accent3"/>
-                </a:solidFill>
-                <a:latin typeface="Agave"/>
-                <a:ea typeface="Agave"/>
-                <a:cs typeface="Agave"/>
-              </a:rPr>
-              <a:t>less likely to recognize malaria symptoms</a:t>
-            </a:r>
-            <a:r>
-              <a:rPr lang="en-US" sz="2800" b="0" i="0" u="none" strike="noStrike" cap="none" spc="0">
-                <a:solidFill>
-                  <a:schemeClr val="bg1"/>
-                </a:solidFill>
-                <a:latin typeface="Agave"/>
-                <a:ea typeface="Agave"/>
-                <a:cs typeface="Agave"/>
-              </a:rPr>
-              <a:t> </a:t>
-            </a:r>
-            <a:r>
-              <a:rPr lang="en-US" sz="2800" b="0" i="0" u="none" strike="noStrike" cap="none" spc="0">
-                <a:solidFill>
-                  <a:schemeClr val="bg1"/>
-                </a:solidFill>
-                <a:latin typeface="Agave"/>
-                <a:ea typeface="Agave"/>
-                <a:cs typeface="Agave"/>
-              </a:rPr>
-              <a:t>or </a:t>
-            </a:r>
-            <a:r>
-              <a:rPr lang="en-US" sz="2800" b="0" i="0" u="none" strike="noStrike" cap="none" spc="0">
-                <a:solidFill>
-                  <a:schemeClr val="accent3"/>
-                </a:solidFill>
-                <a:latin typeface="Agave"/>
-                <a:ea typeface="Agave"/>
-                <a:cs typeface="Agave"/>
-              </a:rPr>
-              <a:t>take proper and prompt actions when their children became </a:t>
-            </a:r>
-            <a:r>
-              <a:rPr lang="en-US" sz="2800" b="0" i="0" u="none" strike="noStrike" cap="none" spc="0">
-                <a:solidFill>
-                  <a:schemeClr val="accent3"/>
-                </a:solidFill>
-                <a:latin typeface="Agave"/>
-                <a:ea typeface="Agave"/>
-                <a:cs typeface="Agave"/>
-              </a:rPr>
-              <a:t>sick</a:t>
-            </a:r>
-            <a:r>
-              <a:rPr lang="en-US" sz="2800" b="0" i="0" u="none" strike="noStrike" cap="none" spc="0">
-                <a:solidFill>
-                  <a:schemeClr val="bg1"/>
-                </a:solidFill>
-                <a:latin typeface="Agave"/>
-                <a:ea typeface="Agave"/>
-                <a:cs typeface="Agave"/>
-              </a:rPr>
               <a:t>. </a:t>
             </a:r>
-            <a:endParaRPr lang="en-US" sz="2800" b="0" i="0" u="none" strike="noStrike" cap="none" spc="0">
-              <a:solidFill>
-                <a:schemeClr val="bg1"/>
-              </a:solidFill>
-              <a:latin typeface="Agave"/>
-              <a:cs typeface="Agave"/>
-            </a:endParaRPr>
-          </a:p>
-          <a:p>
-            <a:pPr>
-              <a:defRPr/>
-            </a:pPr>
             <a:endParaRPr lang="en-US" sz="2800" b="0" i="0" u="none" strike="noStrike" cap="none" spc="0">
               <a:solidFill>
                 <a:schemeClr val="bg1"/>
@@ -4903,6 +4891,86 @@
             <a:pPr>
               <a:defRPr/>
             </a:pPr>
+            <a:endParaRPr lang="en-US" sz="2800" b="0" i="0" u="none" strike="noStrike" cap="none" spc="0">
+              <a:solidFill>
+                <a:schemeClr val="bg1"/>
+              </a:solidFill>
+              <a:latin typeface="Agave"/>
+              <a:cs typeface="Agave"/>
+            </a:endParaRPr>
+          </a:p>
+          <a:p>
+            <a:pPr>
+              <a:defRPr/>
+            </a:pPr>
+            <a:r>
+              <a:rPr lang="en-US" sz="2800" b="0" i="0" u="none" strike="noStrike" cap="none" spc="0">
+                <a:solidFill>
+                  <a:srgbClr val="EB6F92"/>
+                </a:solidFill>
+                <a:latin typeface="Agave"/>
+                <a:cs typeface="Agave"/>
+              </a:rPr>
+              <a:t>-</a:t>
+            </a:r>
+            <a:r>
+              <a:rPr lang="en-US" sz="2800" b="0" i="1" u="none" strike="noStrike" cap="none" spc="0">
+                <a:solidFill>
+                  <a:srgbClr val="EB6F92"/>
+                </a:solidFill>
+                <a:latin typeface="Agave"/>
+                <a:ea typeface="Agave"/>
+                <a:cs typeface="Agave"/>
+              </a:rPr>
+              <a:t>Njau et al</a:t>
+            </a:r>
+            <a:r>
+              <a:rPr lang="en-US" sz="2800" b="0" i="1" u="none" strike="noStrike" cap="none" spc="0">
+                <a:solidFill>
+                  <a:srgbClr val="EB6F92"/>
+                </a:solidFill>
+                <a:latin typeface="Agave"/>
+                <a:cs typeface="Agave"/>
+              </a:rPr>
+              <a:t> (2014)</a:t>
+            </a:r>
+            <a:endParaRPr lang="en-US" sz="2800" b="0" i="0" u="none" strike="noStrike" cap="none" spc="0">
+              <a:solidFill>
+                <a:schemeClr val="bg1"/>
+              </a:solidFill>
+              <a:latin typeface="Agave"/>
+              <a:cs typeface="Agave"/>
+            </a:endParaRPr>
+          </a:p>
+          <a:p>
+            <a:pPr>
+              <a:defRPr/>
+            </a:pPr>
+            <a:endParaRPr lang="en-US" sz="2800" b="0" i="0" u="none" strike="noStrike" cap="none" spc="0">
+              <a:solidFill>
+                <a:schemeClr val="bg1"/>
+              </a:solidFill>
+              <a:latin typeface="Agave"/>
+              <a:cs typeface="Agave"/>
+            </a:endParaRPr>
+          </a:p>
+          <a:p>
+            <a:pPr>
+              <a:defRPr/>
+            </a:pPr>
+            <a:endParaRPr lang="en-US" sz="2800" b="0" i="0" u="none" strike="noStrike" cap="none" spc="0">
+              <a:solidFill>
+                <a:schemeClr val="bg1"/>
+              </a:solidFill>
+              <a:latin typeface="Agave"/>
+              <a:ea typeface="Agave"/>
+              <a:cs typeface="Agave"/>
+            </a:endParaRPr>
+          </a:p>
+          <a:p>
+            <a:pPr>
+              <a:defRPr/>
+            </a:pPr>
             <a:endParaRPr sz="2800" b="0" i="0" u="none" strike="noStrike" cap="none" spc="0">
               <a:solidFill>
                 <a:schemeClr val="bg1"/>
@@ -4933,54 +5001,6 @@
               </a:solidFill>
               <a:latin typeface="Agave"/>
               <a:cs typeface="Agave"/>
-            </a:endParaRPr>
-          </a:p>
-        </p:txBody>
-      </p:sp>
-      <p:sp>
-        <p:nvSpPr>
-          <p:cNvPr id="513328130" name="TextBox 6"/>
-          <p:cNvSpPr txBox="1"/>
-          <p:nvPr/>
-        </p:nvSpPr>
-        <p:spPr bwMode="auto">
-          <a:xfrm rot="0" flipH="0" flipV="0">
-            <a:off x="-291596" y="163461"/>
-            <a:ext cx="11029881" cy="782552"/>
-          </a:xfrm>
-          <a:prstGeom prst="rect">
-            <a:avLst/>
-          </a:prstGeom>
-        </p:spPr>
-        <p:txBody>
-          <a:bodyPr lIns="0" tIns="0" rIns="0" bIns="0" rtlCol="0" anchor="t">
-            <a:spAutoFit/>
-          </a:bodyPr>
-          <a:lstStyle/>
-          <a:p>
-            <a:pPr algn="ctr">
-              <a:lnSpc>
-                <a:spcPts val="6158"/>
-              </a:lnSpc>
-              <a:defRPr/>
-            </a:pPr>
-            <a:r>
-              <a:rPr lang="en-US" sz="2600" b="0">
-                <a:solidFill>
-                  <a:schemeClr val="bg1"/>
-                </a:solidFill>
-                <a:latin typeface="Agave"/>
-                <a:ea typeface="Agave"/>
-                <a:cs typeface="Agave"/>
-              </a:rPr>
-              <a:t>Mother’s Education Level and Childhood Malaria Infections</a:t>
-            </a:r>
-            <a:endParaRPr sz="2600" b="0">
-              <a:solidFill>
-                <a:schemeClr val="bg1"/>
-              </a:solidFill>
-              <a:latin typeface="Tinos"/>
-              <a:cs typeface="Tinos"/>
             </a:endParaRPr>
           </a:p>
         </p:txBody>
@@ -5135,6 +5155,54 @@
                 <a:cs typeface="Agave"/>
               </a:rPr>
               <a:t>Counsels on Lifestyle</a:t>
+            </a:r>
+            <a:endParaRPr sz="2600" b="0">
+              <a:solidFill>
+                <a:schemeClr val="bg1"/>
+              </a:solidFill>
+              <a:latin typeface="Tinos"/>
+              <a:cs typeface="Tinos"/>
+            </a:endParaRPr>
+          </a:p>
+        </p:txBody>
+      </p:sp>
+      <p:sp>
+        <p:nvSpPr>
+          <p:cNvPr id="878996586" name="TextBox 6"/>
+          <p:cNvSpPr txBox="1"/>
+          <p:nvPr/>
+        </p:nvSpPr>
+        <p:spPr bwMode="auto">
+          <a:xfrm rot="0" flipH="0" flipV="0">
+            <a:off x="-414855" y="163459"/>
+            <a:ext cx="11106559" cy="782425"/>
+          </a:xfrm>
+          <a:prstGeom prst="rect">
+            <a:avLst/>
+          </a:prstGeom>
+        </p:spPr>
+        <p:txBody>
+          <a:bodyPr lIns="0" tIns="0" rIns="0" bIns="0" rtlCol="0" anchor="t">
+            <a:spAutoFit/>
+          </a:bodyPr>
+          <a:lstStyle/>
+          <a:p>
+            <a:pPr algn="ctr">
+              <a:lnSpc>
+                <a:spcPts val="6157"/>
+              </a:lnSpc>
+              <a:defRPr/>
+            </a:pPr>
+            <a:r>
+              <a:rPr lang="en-US" sz="2600" b="0">
+                <a:solidFill>
+                  <a:schemeClr val="bg1"/>
+                </a:solidFill>
+                <a:latin typeface="Agave"/>
+                <a:ea typeface="Agave"/>
+                <a:cs typeface="Agave"/>
+              </a:rPr>
+              <a:t>Educated Mothers and Rates of Childhood Malaria Infection</a:t>
             </a:r>
             <a:endParaRPr sz="2600" b="0">
               <a:solidFill>
@@ -5286,8 +5354,8 @@
         </p:nvSpPr>
         <p:spPr bwMode="auto">
           <a:xfrm flipH="0" flipV="0">
-            <a:off x="813601" y="1988638"/>
-            <a:ext cx="8323711" cy="7406999"/>
+            <a:off x="813600" y="1988637"/>
+            <a:ext cx="8695046" cy="7407000"/>
           </a:xfrm>
           <a:prstGeom prst="rect">
             <a:avLst/>
@@ -5313,6 +5381,52 @@
               </a:rPr>
               <a:t>Hosea 4:6 </a:t>
             </a:r>
+            <a:r>
+              <a:rPr lang="en-US" sz="2400" b="0" i="0" u="none" strike="noStrike" cap="none" spc="0">
+                <a:solidFill>
+                  <a:schemeClr val="bg1"/>
+                </a:solidFill>
+                <a:latin typeface="Agave"/>
+                <a:ea typeface="Agave"/>
+                <a:cs typeface="Agave"/>
+              </a:rPr>
+              <a:t>“My people are destroyed for lack of </a:t>
+            </a:r>
+            <a:r>
+              <a:rPr lang="en-US" sz="2400" b="0" i="0" u="none" strike="noStrike" cap="none" spc="0">
+                <a:solidFill>
+                  <a:srgbClr val="00B0F0"/>
+                </a:solidFill>
+                <a:latin typeface="Agave"/>
+                <a:ea typeface="Agave"/>
+                <a:cs typeface="Agave"/>
+              </a:rPr>
+              <a:t>knowledge</a:t>
+            </a:r>
+            <a:r>
+              <a:rPr lang="en-US" sz="2400" b="0" i="0" u="none" strike="noStrike" cap="none" spc="0">
+                <a:solidFill>
+                  <a:schemeClr val="bg1"/>
+                </a:solidFill>
+                <a:latin typeface="Agave"/>
+                <a:ea typeface="Agave"/>
+                <a:cs typeface="Agave"/>
+              </a:rPr>
+              <a:t>”</a:t>
+            </a:r>
+            <a:endParaRPr lang="en-US" sz="2400" b="0" i="0" u="none" strike="noStrike" cap="none" spc="0">
+              <a:solidFill>
+                <a:schemeClr val="bg1"/>
+              </a:solidFill>
+              <a:latin typeface="Agave"/>
+              <a:ea typeface="Agave"/>
+              <a:cs typeface="Agave"/>
+            </a:endParaRPr>
+          </a:p>
+          <a:p>
+            <a:pPr>
+              <a:defRPr/>
+            </a:pPr>
             <a:endParaRPr sz="2400" b="0" i="1" u="none" strike="noStrike" cap="none" spc="0">
               <a:solidFill>
                 <a:srgbClr val="EB6F92"/>
@@ -5329,35 +5443,35 @@
             <a:r>
               <a:rPr lang="en-US" sz="2400" b="0" i="0" u="none" strike="noStrike" cap="none" spc="0">
                 <a:solidFill>
+                  <a:schemeClr val="accent3"/>
+                </a:solidFill>
+                <a:latin typeface="Agave"/>
+                <a:ea typeface="Agave"/>
+                <a:cs typeface="Agave"/>
+              </a:rPr>
+              <a:t>Too little attention is generally given to the preservation of health</a:t>
+            </a:r>
+            <a:r>
+              <a:rPr lang="en-US" sz="2400" b="0" i="0" u="none" strike="noStrike" cap="none" spc="0">
+                <a:solidFill>
                   <a:schemeClr val="bg1"/>
                 </a:solidFill>
                 <a:latin typeface="Agave"/>
                 <a:ea typeface="Agave"/>
                 <a:cs typeface="Agave"/>
               </a:rPr>
-              <a:t>“My people are destroyed for lack of </a:t>
+              <a:t>. It is </a:t>
             </a:r>
             <a:r>
               <a:rPr lang="en-US" sz="2400" b="0" i="0" u="none" strike="noStrike" cap="none" spc="0">
                 <a:solidFill>
-                  <a:schemeClr val="accent3"/>
+                  <a:srgbClr val="FFC000"/>
                 </a:solidFill>
                 <a:latin typeface="Agave"/>
                 <a:ea typeface="Agave"/>
                 <a:cs typeface="Agave"/>
               </a:rPr>
-              <a:t>knowledge</a:t>
-            </a:r>
-            <a:r>
-              <a:rPr lang="en-US" sz="2400" b="0" i="0" u="none" strike="noStrike" cap="none" spc="0">
-                <a:solidFill>
-                  <a:schemeClr val="bg1"/>
-                </a:solidFill>
-                <a:latin typeface="Agave"/>
-                <a:ea typeface="Agave"/>
-                <a:cs typeface="Agave"/>
-              </a:rPr>
-              <a:t>”</a:t>
+              <a:t>far better to prevent disease than to know how to treat it</a:t>
             </a:r>
             <a:endParaRPr lang="en-US" sz="2400" b="0" i="0" u="none" strike="noStrike" cap="none" spc="0">
               <a:solidFill>
@@ -5388,13 +5502,24 @@
             <a:r>
               <a:rPr lang="en-US" sz="2400" b="0" i="0" u="none" strike="noStrike" cap="none" spc="0">
                 <a:solidFill>
+                  <a:schemeClr val="bg1"/>
+                </a:solidFill>
+                <a:latin typeface="Agave"/>
+                <a:ea typeface="Agave"/>
+                <a:cs typeface="Agave"/>
+              </a:rPr>
+              <a:t>...It is the duty of every person, for one's own sake, and for the sake of humanity, </a:t>
+            </a:r>
+            <a:r>
+              <a:rPr lang="en-US" sz="2400" b="0" i="0" u="none" strike="noStrike" cap="none" spc="0">
+                <a:solidFill>
                   <a:schemeClr val="accent3"/>
                 </a:solidFill>
                 <a:latin typeface="Agave"/>
                 <a:ea typeface="Agave"/>
                 <a:cs typeface="Agave"/>
               </a:rPr>
-              <a:t>Too little attention is generally given to the preservation of health</a:t>
+              <a:t>to inform himself or herself in regard to the laws of life</a:t>
             </a:r>
             <a:r>
               <a:rPr lang="en-US" sz="2400" b="0" i="0" u="none" strike="noStrike" cap="none" spc="0">
@@ -5405,29 +5530,7 @@
                 <a:ea typeface="Agave"/>
                 <a:cs typeface="Agave"/>
               </a:rPr>
-              <a:t>. It is </a:t>
-            </a:r>
-            <a:r>
-              <a:rPr lang="en-US" sz="2400" b="0" i="0" u="none" strike="noStrike" cap="none" spc="0">
-                <a:solidFill>
-                  <a:schemeClr val="accent3"/>
-                </a:solidFill>
-                <a:latin typeface="Agave"/>
-                <a:ea typeface="Agave"/>
-                <a:cs typeface="Agave"/>
-              </a:rPr>
-              <a:t>far better to prevent disease than to know how to treat it</a:t>
-            </a:r>
-            <a:r>
-              <a:rPr lang="en-US" sz="2400" b="0" i="0" u="none" strike="noStrike" cap="none" spc="0">
-                <a:solidFill>
-                  <a:schemeClr val="bg1"/>
-                </a:solidFill>
-                <a:latin typeface="Agave"/>
-                <a:ea typeface="Agave"/>
-                <a:cs typeface="Agave"/>
-              </a:rPr>
-              <a:t> when contracted...</a:t>
+              <a:t> </a:t>
             </a:r>
             <a:endParaRPr lang="en-US" sz="2400" b="0" i="0" u="none" strike="noStrike" cap="none" spc="0">
               <a:solidFill>
@@ -5442,6 +5545,41 @@
             <a:pPr>
               <a:defRPr/>
             </a:pPr>
+            <a:r>
+              <a:rPr lang="en-US" sz="2400" b="0" i="1" u="none" strike="noStrike" cap="none" spc="0">
+                <a:solidFill>
+                  <a:srgbClr val="EB6F92"/>
+                </a:solidFill>
+                <a:latin typeface="Agave"/>
+                <a:ea typeface="Agave"/>
+                <a:cs typeface="Agave"/>
+              </a:rPr>
+              <a:t>—The Ministry of Healing, 128, [1905]</a:t>
+            </a:r>
+            <a:r>
+              <a:rPr lang="en-US" sz="2400" b="0" i="0" u="none" strike="noStrike" cap="none" spc="0">
+                <a:solidFill>
+                  <a:schemeClr val="bg1"/>
+                </a:solidFill>
+                <a:latin typeface="Agave"/>
+                <a:ea typeface="Agave"/>
+                <a:cs typeface="Agave"/>
+              </a:rPr>
+              <a:t> </a:t>
+            </a:r>
+            <a:endParaRPr sz="2400" b="0" i="0" u="none" strike="noStrike" cap="none" spc="0">
+              <a:solidFill>
+                <a:schemeClr val="bg1"/>
+              </a:solidFill>
+              <a:latin typeface="Agave"/>
+              <a:ea typeface="Agave"/>
+              <a:cs typeface="Agave"/>
+            </a:endParaRPr>
+          </a:p>
+          <a:p>
+            <a:pPr>
+              <a:defRPr/>
+            </a:pPr>
             <a:endParaRPr lang="en-US" sz="2400" b="0" i="0" u="none" strike="noStrike" cap="none" spc="0">
               <a:solidFill>
                 <a:schemeClr val="bg1"/>
@@ -5464,18 +5602,18 @@
                 <a:ea typeface="Agave"/>
                 <a:cs typeface="Agave"/>
               </a:rPr>
-              <a:t>...It is the duty of every person, for one's own sake, and for the sake of humanity, </a:t>
+              <a:t>“</a:t>
             </a:r>
             <a:r>
               <a:rPr lang="en-US" sz="2400" b="0" i="0" u="none" strike="noStrike" cap="none" spc="0">
                 <a:solidFill>
-                  <a:schemeClr val="accent3"/>
+                  <a:srgbClr val="00B0F0"/>
                 </a:solidFill>
                 <a:latin typeface="Agave"/>
                 <a:ea typeface="Agave"/>
                 <a:cs typeface="Agave"/>
               </a:rPr>
-              <a:t>to inform himself or herself in regard to the laws of life</a:t>
+              <a:t>Knowledge must be gained</a:t>
             </a:r>
             <a:r>
               <a:rPr lang="en-US" sz="2400" b="0" i="0" u="none" strike="noStrike" cap="none" spc="0">
@@ -5486,7 +5624,7 @@
                 <a:ea typeface="Agave"/>
                 <a:cs typeface="Agave"/>
               </a:rPr>
-              <a:t> and conscientiously to obey them. All need to become acquainted with that most wonderful of all organisms, the human body....</a:t>
+              <a:t> in regards to how to eat and drink and dress so as to preserve health.”</a:t>
             </a:r>
             <a:endParaRPr lang="en-US" sz="2400" b="0" i="0" u="none" strike="noStrike" cap="none" spc="0">
               <a:solidFill>
@@ -5501,41 +5639,6 @@
             <a:pPr>
               <a:defRPr/>
             </a:pPr>
-            <a:r>
-              <a:rPr lang="en-US" sz="2400" b="0" i="1" u="none" strike="noStrike" cap="none" spc="0">
-                <a:solidFill>
-                  <a:srgbClr val="EB6F92"/>
-                </a:solidFill>
-                <a:latin typeface="Agave"/>
-                <a:ea typeface="Agave"/>
-                <a:cs typeface="Agave"/>
-              </a:rPr>
-              <a:t>—The Ministry of Healing, 128, [1905]</a:t>
-            </a:r>
-            <a:r>
-              <a:rPr lang="en-US" sz="2400" b="0" i="0" u="none" strike="noStrike" cap="none" spc="0">
-                <a:solidFill>
-                  <a:schemeClr val="bg1"/>
-                </a:solidFill>
-                <a:latin typeface="Agave"/>
-                <a:ea typeface="Agave"/>
-                <a:cs typeface="Agave"/>
-              </a:rPr>
-              <a:t> </a:t>
-            </a:r>
-            <a:endParaRPr sz="2400" b="0" i="0" u="none" strike="noStrike" cap="none" spc="0">
-              <a:solidFill>
-                <a:schemeClr val="bg1"/>
-              </a:solidFill>
-              <a:latin typeface="Agave"/>
-              <a:ea typeface="Agave"/>
-              <a:cs typeface="Agave"/>
-            </a:endParaRPr>
-          </a:p>
-          <a:p>
-            <a:pPr>
-              <a:defRPr/>
-            </a:pPr>
             <a:endParaRPr lang="en-US" sz="2400" b="0" i="0" u="none" strike="noStrike" cap="none" spc="0">
               <a:solidFill>
                 <a:schemeClr val="bg1"/>
@@ -5558,18 +5661,18 @@
                 <a:ea typeface="Agave"/>
                 <a:cs typeface="Agave"/>
               </a:rPr>
-              <a:t>“</a:t>
+              <a:t>Parents are accountable in a great degree... </a:t>
             </a:r>
             <a:r>
               <a:rPr lang="en-US" sz="2400" b="0" i="0" u="none" strike="noStrike" cap="none" spc="0">
                 <a:solidFill>
-                  <a:schemeClr val="accent3"/>
+                  <a:srgbClr val="92D050"/>
                 </a:solidFill>
                 <a:latin typeface="Agave"/>
                 <a:ea typeface="Agave"/>
                 <a:cs typeface="Agave"/>
               </a:rPr>
-              <a:t>Knowledge must be gained</a:t>
+              <a:t>God holds mothers accountable</a:t>
             </a:r>
             <a:r>
               <a:rPr lang="en-US" sz="2400" b="0" i="0" u="none" strike="noStrike" cap="none" spc="0">
@@ -5580,7 +5683,29 @@
                 <a:ea typeface="Agave"/>
                 <a:cs typeface="Agave"/>
               </a:rPr>
-              <a:t> in regards to how to eat and drink and dress so as to preserve health.”</a:t>
+              <a:t> for the </a:t>
+            </a:r>
+            <a:r>
+              <a:rPr lang="en-US" sz="2400" b="0" i="0" u="none" strike="noStrike" cap="none" spc="0">
+                <a:solidFill>
+                  <a:srgbClr val="FFC000"/>
+                </a:solidFill>
+                <a:latin typeface="Agave"/>
+                <a:ea typeface="Agave"/>
+                <a:cs typeface="Agave"/>
+              </a:rPr>
+              <a:t>diseases their children are compelled to suffer</a:t>
+            </a:r>
+            <a:r>
+              <a:rPr lang="en-US" sz="2400" b="0" i="0" u="none" strike="noStrike" cap="none" spc="0">
+                <a:solidFill>
+                  <a:schemeClr val="bg1"/>
+                </a:solidFill>
+                <a:latin typeface="Agave"/>
+                <a:ea typeface="Agave"/>
+                <a:cs typeface="Agave"/>
+              </a:rPr>
+              <a:t>.</a:t>
             </a:r>
             <a:endParaRPr lang="en-US" sz="2400" b="0" i="0" u="none" strike="noStrike" cap="none" spc="0">
               <a:solidFill>

--- a/posts/4/slides.pptx
+++ b/posts/4/slides.pptx
@@ -3883,10 +3883,9 @@
     <p:bg>
       <p:bgPr shadeToTitle="0">
         <a:solidFill>
-          <a:schemeClr val="accent4">
-            <a:lumMod val="50000"/>
+          <a:srgbClr val="232136">
             <a:alpha val="99999"/>
-          </a:schemeClr>
+          </a:srgbClr>
         </a:solidFill>
       </p:bgPr>
     </p:bg>
@@ -3959,8 +3958,8 @@
         </p:blipFill>
         <p:spPr bwMode="auto">
           <a:xfrm rot="0" flipH="0" flipV="0">
-            <a:off x="895349" y="1783472"/>
-            <a:ext cx="8420099" cy="7659967"/>
+            <a:off x="482238" y="1783472"/>
+            <a:ext cx="9180706" cy="7659966"/>
           </a:xfrm>
           <a:prstGeom prst="roundRect">
             <a:avLst>
@@ -3969,218 +3968,6 @@
           </a:prstGeom>
         </p:spPr>
       </p:pic>
-      <p:sp>
-        <p:nvSpPr>
-          <p:cNvPr id="498744358" name="Arc 969041505"/>
-          <p:cNvSpPr/>
-          <p:nvPr/>
-        </p:nvSpPr>
-        <p:spPr bwMode="auto">
-          <a:xfrm rot="12307373" flipH="0" flipV="0">
-            <a:off x="5713253" y="3408913"/>
-            <a:ext cx="1379481" cy="1379481"/>
-          </a:xfrm>
-          <a:prstGeom prst="arc">
-            <a:avLst>
-              <a:gd name="adj1" fmla="val 16213945"/>
-              <a:gd name="adj2" fmla="val 19989385"/>
-            </a:avLst>
-          </a:prstGeom>
-          <a:ln w="38099" cap="rnd" cmpd="sng" algn="ctr">
-            <a:solidFill>
-              <a:schemeClr val="bg1">
-                <a:lumMod val="85098"/>
-              </a:schemeClr>
-            </a:solidFill>
-            <a:prstDash val="solid"/>
-            <a:round/>
-            <a:headEnd type="arrow"/>
-            <a:tailEnd type="none"/>
-          </a:ln>
-        </p:spPr>
-        <p:style>
-          <a:lnRef idx="1">
-            <a:schemeClr val="accent1">
-              <a:shade val="50000"/>
-            </a:schemeClr>
-          </a:lnRef>
-          <a:fillRef idx="0">
-            <a:schemeClr val="accent1"/>
-          </a:fillRef>
-          <a:effectRef idx="0">
-            <a:schemeClr val="accent1"/>
-          </a:effectRef>
-          <a:fontRef idx="minor">
-            <a:schemeClr val="tx1"/>
-          </a:fontRef>
-        </p:style>
-        <p:txBody>
-          <a:bodyPr/>
-          <a:p>
-            <a:pPr>
-              <a:defRPr/>
-            </a:pPr>
-            <a:endParaRPr/>
-          </a:p>
-        </p:txBody>
-      </p:sp>
-      <p:sp>
-        <p:nvSpPr>
-          <p:cNvPr id="1002557128" name=""/>
-          <p:cNvSpPr txBox="1"/>
-          <p:nvPr/>
-        </p:nvSpPr>
-        <p:spPr bwMode="auto">
-          <a:xfrm flipH="0" flipV="0">
-            <a:off x="2701206" y="2947380"/>
-            <a:ext cx="4271891" cy="1554840"/>
-          </a:xfrm>
-          <a:prstGeom prst="rect">
-            <a:avLst/>
-          </a:prstGeom>
-          <a:noFill/>
-        </p:spPr>
-        <p:txBody>
-          <a:bodyPr vertOverflow="overflow" horzOverflow="overflow" vert="horz" wrap="square" lIns="91440" tIns="45720" rIns="91440" bIns="45720" numCol="1" spcCol="0" rtlCol="0" fromWordArt="0" anchor="t" anchorCtr="0" forceAA="0" upright="0" compatLnSpc="0">
-            <a:spAutoFit/>
-          </a:bodyPr>
-          <a:p>
-            <a:pPr>
-              <a:defRPr/>
-            </a:pPr>
-            <a:r>
-              <a:rPr sz="2400">
-                <a:solidFill>
-                  <a:schemeClr val="bg1"/>
-                </a:solidFill>
-                <a:latin typeface="Agave"/>
-                <a:cs typeface="Agave"/>
-              </a:rPr>
-              <a:t>Infection rate of children whose mothers received education beyond the primary level</a:t>
-            </a:r>
-            <a:endParaRPr sz="2400">
-              <a:solidFill>
-                <a:schemeClr val="bg1"/>
-              </a:solidFill>
-              <a:latin typeface="Agave"/>
-              <a:cs typeface="Agave"/>
-            </a:endParaRPr>
-          </a:p>
-        </p:txBody>
-      </p:sp>
-      <p:sp>
-        <p:nvSpPr>
-          <p:cNvPr id="640765977" name="TextBox 6"/>
-          <p:cNvSpPr txBox="1"/>
-          <p:nvPr/>
-        </p:nvSpPr>
-        <p:spPr bwMode="auto">
-          <a:xfrm rot="0" flipH="0" flipV="0">
-            <a:off x="8875237" y="9443440"/>
-            <a:ext cx="1261780" cy="782552"/>
-          </a:xfrm>
-          <a:prstGeom prst="rect">
-            <a:avLst/>
-          </a:prstGeom>
-        </p:spPr>
-        <p:txBody>
-          <a:bodyPr lIns="0" tIns="0" rIns="0" bIns="0" rtlCol="0" anchor="t">
-            <a:spAutoFit/>
-          </a:bodyPr>
-          <a:lstStyle/>
-          <a:p>
-            <a:pPr algn="ctr">
-              <a:lnSpc>
-                <a:spcPts val="6159"/>
-              </a:lnSpc>
-              <a:defRPr/>
-            </a:pPr>
-            <a:r>
-              <a:rPr lang="en-US" sz="2600" b="0">
-                <a:solidFill>
-                  <a:schemeClr val="bg1"/>
-                </a:solidFill>
-                <a:latin typeface="Agave"/>
-                <a:ea typeface="Agave"/>
-                <a:cs typeface="Agave"/>
-              </a:rPr>
-              <a:t>1/3</a:t>
-            </a:r>
-            <a:endParaRPr sz="2600" b="0">
-              <a:solidFill>
-                <a:schemeClr val="bg1"/>
-              </a:solidFill>
-              <a:latin typeface="Tinos"/>
-              <a:cs typeface="Tinos"/>
-            </a:endParaRPr>
-          </a:p>
-        </p:txBody>
-      </p:sp>
-      <p:sp>
-        <p:nvSpPr>
-          <p:cNvPr id="1865465620" name="TextBox 6"/>
-          <p:cNvSpPr txBox="1"/>
-          <p:nvPr/>
-        </p:nvSpPr>
-        <p:spPr bwMode="auto">
-          <a:xfrm rot="0" flipH="0" flipV="0">
-            <a:off x="-80784" y="710786"/>
-            <a:ext cx="10591698" cy="782298"/>
-          </a:xfrm>
-          <a:prstGeom prst="rect">
-            <a:avLst/>
-          </a:prstGeom>
-        </p:spPr>
-        <p:txBody>
-          <a:bodyPr lIns="0" tIns="0" rIns="0" bIns="0" rtlCol="0" anchor="t">
-            <a:spAutoFit/>
-          </a:bodyPr>
-          <a:lstStyle/>
-          <a:p>
-            <a:pPr algn="ctr">
-              <a:lnSpc>
-                <a:spcPts val="6157"/>
-              </a:lnSpc>
-              <a:defRPr/>
-            </a:pPr>
-            <a:r>
-              <a:rPr lang="en-US" sz="2200" b="0">
-                <a:solidFill>
-                  <a:schemeClr val="bg1">
-                    <a:lumMod val="75000"/>
-                  </a:schemeClr>
-                </a:solidFill>
-                <a:latin typeface="Agave"/>
-                <a:ea typeface="Agave"/>
-                <a:cs typeface="Agave"/>
-              </a:rPr>
-              <a:t>Njau et al, </a:t>
-            </a:r>
-            <a:r>
-              <a:rPr lang="en-US" sz="2200" b="0" i="0" u="none" strike="noStrike" cap="none" spc="0">
-                <a:solidFill>
-                  <a:schemeClr val="bg1">
-                    <a:lumMod val="75000"/>
-                  </a:schemeClr>
-                </a:solidFill>
-                <a:latin typeface="Agave"/>
-                <a:ea typeface="Agave"/>
-                <a:cs typeface="Agave"/>
-              </a:rPr>
-              <a:t>Am. J. Trop. Med. Hyg., 91(3), 2014, pp. 509–519</a:t>
-            </a:r>
-            <a:endParaRPr sz="2200" b="0">
-              <a:solidFill>
-                <a:schemeClr val="bg1">
-                  <a:lumMod val="75000"/>
-                </a:schemeClr>
-              </a:solidFill>
-              <a:latin typeface="Tinos"/>
-              <a:cs typeface="Tinos"/>
-            </a:endParaRPr>
-          </a:p>
-        </p:txBody>
-      </p:sp>
       <p:sp>
         <p:nvSpPr>
           <p:cNvPr id="580747044" name=""/>
@@ -4231,14 +4018,14 @@
       </p:sp>
       <p:sp>
         <p:nvSpPr>
-          <p:cNvPr id="2117201959" name="TextBox 6"/>
+          <p:cNvPr id="1948232528" name="TextBox 6"/>
           <p:cNvSpPr txBox="1"/>
           <p:nvPr/>
         </p:nvSpPr>
         <p:spPr bwMode="auto">
           <a:xfrm rot="0" flipH="0" flipV="0">
-            <a:off x="501507" y="9279210"/>
-            <a:ext cx="4016785" cy="782298"/>
+            <a:off x="8875236" y="9443439"/>
+            <a:ext cx="1262499" cy="782552"/>
           </a:xfrm>
           <a:prstGeom prst="rect">
             <a:avLst/>
@@ -4252,7 +4039,55 @@
           <a:p>
             <a:pPr algn="ctr">
               <a:lnSpc>
-                <a:spcPts val="6156"/>
+                <a:spcPts val="6158"/>
+              </a:lnSpc>
+              <a:defRPr/>
+            </a:pPr>
+            <a:r>
+              <a:rPr lang="en-US" sz="2600" b="0">
+                <a:solidFill>
+                  <a:schemeClr val="bg1"/>
+                </a:solidFill>
+                <a:latin typeface="Agave"/>
+                <a:ea typeface="Agave"/>
+                <a:cs typeface="Agave"/>
+              </a:rPr>
+              <a:t>1/3</a:t>
+            </a:r>
+            <a:endParaRPr sz="2600" b="0">
+              <a:solidFill>
+                <a:schemeClr val="bg1"/>
+              </a:solidFill>
+              <a:latin typeface="Tinos"/>
+              <a:cs typeface="Tinos"/>
+            </a:endParaRPr>
+          </a:p>
+        </p:txBody>
+      </p:sp>
+      <p:sp>
+        <p:nvSpPr>
+          <p:cNvPr id="1226102115" name="TextBox 6"/>
+          <p:cNvSpPr txBox="1"/>
+          <p:nvPr/>
+        </p:nvSpPr>
+        <p:spPr bwMode="auto">
+          <a:xfrm rot="0" flipH="0" flipV="0">
+            <a:off x="173058" y="9377743"/>
+            <a:ext cx="4017504" cy="782172"/>
+          </a:xfrm>
+          <a:prstGeom prst="rect">
+            <a:avLst/>
+          </a:prstGeom>
+        </p:spPr>
+        <p:txBody>
+          <a:bodyPr lIns="0" tIns="0" rIns="0" bIns="0" rtlCol="0" anchor="t">
+            <a:spAutoFit/>
+          </a:bodyPr>
+          <a:lstStyle/>
+          <a:p>
+            <a:pPr algn="ctr">
+              <a:lnSpc>
+                <a:spcPts val="6155"/>
               </a:lnSpc>
               <a:defRPr/>
             </a:pPr>
@@ -4277,16 +4112,56 @@
           </a:p>
         </p:txBody>
       </p:sp>
-      <p:sp>
-        <p:nvSpPr>
-          <p:cNvPr id="389795454" name="TextBox 6"/>
+      <p:cxnSp>
+        <p:nvCxnSpPr>
+          <p:cNvPr id="1646113097" name=""/>
+          <p:cNvCxnSpPr>
+            <a:cxnSpLocks/>
+          </p:cNvCxnSpPr>
+          <p:nvPr/>
+        </p:nvCxnSpPr>
+        <p:spPr bwMode="auto">
+          <a:xfrm flipH="0" flipV="0">
+            <a:off x="13611" y="9578863"/>
+            <a:ext cx="10247581" cy="75540"/>
+          </a:xfrm>
+          <a:prstGeom prst="line">
+            <a:avLst/>
+          </a:prstGeom>
+          <a:ln w="38099" cap="flat" cmpd="sng" algn="ctr">
+            <a:solidFill>
+              <a:schemeClr val="bg1"/>
+            </a:solidFill>
+            <a:prstDash val="solid"/>
+          </a:ln>
+        </p:spPr>
+        <p:style>
+          <a:lnRef idx="1">
+            <a:schemeClr val="accent1">
+              <a:shade val="50000"/>
+            </a:schemeClr>
+          </a:lnRef>
+          <a:fillRef idx="0">
+            <a:schemeClr val="accent1"/>
+          </a:fillRef>
+          <a:effectRef idx="0">
+            <a:schemeClr val="accent1"/>
+          </a:effectRef>
+          <a:fontRef idx="minor">
+            <a:schemeClr val="tx1"/>
+          </a:fontRef>
+        </p:style>
+      </p:cxnSp>
+      <p:sp>
+        <p:nvSpPr>
+          <p:cNvPr id="1595330350" name="TextBox 6"/>
           <p:cNvSpPr txBox="1"/>
           <p:nvPr/>
         </p:nvSpPr>
         <p:spPr bwMode="auto">
           <a:xfrm rot="0" flipH="0" flipV="0">
-            <a:off x="-414855" y="163459"/>
-            <a:ext cx="11106559" cy="782425"/>
+            <a:off x="529525" y="163459"/>
+            <a:ext cx="9452097" cy="1219559"/>
           </a:xfrm>
           <a:prstGeom prst="rect">
             <a:avLst/>
@@ -4298,14 +4173,14 @@
           </a:bodyPr>
           <a:lstStyle/>
           <a:p>
-            <a:pPr algn="ctr">
+            <a:pPr algn="l">
               <a:lnSpc>
-                <a:spcPts val="6157"/>
+                <a:spcPct val="100000"/>
               </a:lnSpc>
               <a:defRPr/>
             </a:pPr>
             <a:r>
-              <a:rPr lang="en-US" sz="2600" b="0">
+              <a:rPr lang="en-US" sz="4000" b="0">
                 <a:solidFill>
                   <a:schemeClr val="bg1"/>
                 </a:solidFill>
@@ -4313,9 +4188,9 @@
                 <a:ea typeface="Agave"/>
                 <a:cs typeface="Agave"/>
               </a:rPr>
-              <a:t>Educated Mothers and Rates of Childhood Malaria Infections</a:t>
-            </a:r>
-            <a:endParaRPr sz="2600" b="0">
+              <a:t>Educated Mothers Have Children with Lower Malaria Infection Rates</a:t>
+            </a:r>
+            <a:endParaRPr sz="4000" b="0">
               <a:solidFill>
                 <a:schemeClr val="bg1"/>
               </a:solidFill>
@@ -4325,6 +4200,87 @@
           </a:p>
         </p:txBody>
       </p:sp>
+      <p:cxnSp>
+        <p:nvCxnSpPr>
+          <p:cNvPr id="499171966" name=""/>
+          <p:cNvCxnSpPr>
+            <a:cxnSpLocks/>
+          </p:cNvCxnSpPr>
+          <p:nvPr/>
+        </p:nvCxnSpPr>
+        <p:spPr bwMode="auto">
+          <a:xfrm flipH="0" flipV="0">
+            <a:off x="1787" y="1520056"/>
+            <a:ext cx="10247581" cy="75540"/>
+          </a:xfrm>
+          <a:prstGeom prst="line">
+            <a:avLst/>
+          </a:prstGeom>
+          <a:ln w="38099" cap="flat" cmpd="sng" algn="ctr">
+            <a:solidFill>
+              <a:schemeClr val="bg1"/>
+            </a:solidFill>
+            <a:prstDash val="solid"/>
+          </a:ln>
+        </p:spPr>
+        <p:style>
+          <a:lnRef idx="1">
+            <a:schemeClr val="accent1">
+              <a:shade val="50000"/>
+            </a:schemeClr>
+          </a:lnRef>
+          <a:fillRef idx="0">
+            <a:schemeClr val="accent1"/>
+          </a:fillRef>
+          <a:effectRef idx="0">
+            <a:schemeClr val="accent1"/>
+          </a:effectRef>
+          <a:fontRef idx="minor">
+            <a:schemeClr val="tx1"/>
+          </a:fontRef>
+        </p:style>
+      </p:cxnSp>
+      <p:cxnSp>
+        <p:nvCxnSpPr>
+          <p:cNvPr id="29450685" name=""/>
+          <p:cNvCxnSpPr>
+            <a:cxnSpLocks/>
+          </p:cNvCxnSpPr>
+          <p:nvPr/>
+        </p:nvCxnSpPr>
+        <p:spPr bwMode="auto">
+          <a:xfrm rot="0" flipH="0" flipV="1">
+            <a:off x="1955150" y="7650702"/>
+            <a:ext cx="7707794" cy="0"/>
+          </a:xfrm>
+          <a:prstGeom prst="line">
+            <a:avLst/>
+          </a:prstGeom>
+          <a:ln w="38099" cap="flat" cmpd="sng" algn="ctr">
+            <a:solidFill>
+              <a:schemeClr val="bg1"/>
+            </a:solidFill>
+            <a:prstDash val="solid"/>
+            <a:tailEnd type="oval" len="med"/>
+          </a:ln>
+        </p:spPr>
+        <p:style>
+          <a:lnRef idx="1">
+            <a:schemeClr val="accent1">
+              <a:shade val="50000"/>
+            </a:schemeClr>
+          </a:lnRef>
+          <a:fillRef idx="0">
+            <a:schemeClr val="accent1"/>
+          </a:fillRef>
+          <a:effectRef idx="0">
+            <a:schemeClr val="accent1"/>
+          </a:effectRef>
+          <a:fontRef idx="minor">
+            <a:schemeClr val="tx1"/>
+          </a:fontRef>
+        </p:style>
+      </p:cxnSp>
     </p:spTree>
   </p:cSld>
   <p:clrMapOvr>
@@ -4347,10 +4303,9 @@
     <p:bg>
       <p:bgPr shadeToTitle="0">
         <a:solidFill>
-          <a:schemeClr val="accent4">
-            <a:lumMod val="50000"/>
+          <a:srgbClr val="26233A">
             <a:alpha val="99999"/>
-          </a:schemeClr>
+          </a:srgbClr>
         </a:solidFill>
       </p:bgPr>
     </p:bg>
@@ -4368,708 +4323,6 @@
           <a:chExt cx="0" cy="0"/>
         </a:xfrm>
       </p:grpSpPr>
-      <p:sp>
-        <p:nvSpPr>
-          <p:cNvPr id="795127148" name=""/>
-          <p:cNvSpPr/>
-          <p:nvPr/>
-        </p:nvSpPr>
-        <p:spPr bwMode="auto">
-          <a:xfrm flipH="0" flipV="0">
-            <a:off x="581145" y="1619247"/>
-            <a:ext cx="9081798" cy="7938594"/>
-          </a:xfrm>
-          <a:prstGeom prst="roundRect">
-            <a:avLst>
-              <a:gd name="adj" fmla="val 3765"/>
-            </a:avLst>
-          </a:prstGeom>
-          <a:solidFill>
-            <a:srgbClr val="232136"/>
-          </a:solidFill>
-          <a:ln w="25400" cap="flat" cmpd="sng" algn="ctr">
-            <a:noFill/>
-            <a:prstDash val="solid"/>
-          </a:ln>
-        </p:spPr>
-        <p:style>
-          <a:lnRef idx="2">
-            <a:schemeClr val="accent1">
-              <a:shade val="50000"/>
-            </a:schemeClr>
-          </a:lnRef>
-          <a:fillRef idx="1">
-            <a:schemeClr val="accent1"/>
-          </a:fillRef>
-          <a:effectRef idx="0">
-            <a:schemeClr val="accent1"/>
-          </a:effectRef>
-          <a:fontRef idx="minor">
-            <a:schemeClr val="lt1"/>
-          </a:fontRef>
-        </p:style>
-      </p:sp>
-      <p:sp>
-        <p:nvSpPr>
-          <p:cNvPr id="704332636" name="TextBox 6"/>
-          <p:cNvSpPr txBox="1"/>
-          <p:nvPr/>
-        </p:nvSpPr>
-        <p:spPr bwMode="auto">
-          <a:xfrm rot="0" flipH="0" flipV="0">
-            <a:off x="8875237" y="9443440"/>
-            <a:ext cx="1262502" cy="782552"/>
-          </a:xfrm>
-          <a:prstGeom prst="rect">
-            <a:avLst/>
-          </a:prstGeom>
-        </p:spPr>
-        <p:txBody>
-          <a:bodyPr lIns="0" tIns="0" rIns="0" bIns="0" rtlCol="0" anchor="t">
-            <a:spAutoFit/>
-          </a:bodyPr>
-          <a:lstStyle/>
-          <a:p>
-            <a:pPr algn="ctr">
-              <a:lnSpc>
-                <a:spcPts val="6159"/>
-              </a:lnSpc>
-              <a:defRPr/>
-            </a:pPr>
-            <a:r>
-              <a:rPr lang="en-US" sz="2600" b="0">
-                <a:solidFill>
-                  <a:schemeClr val="bg1"/>
-                </a:solidFill>
-                <a:latin typeface="Agave"/>
-                <a:ea typeface="Agave"/>
-                <a:cs typeface="Agave"/>
-              </a:rPr>
-              <a:t>2/3</a:t>
-            </a:r>
-            <a:endParaRPr sz="2600" b="0">
-              <a:solidFill>
-                <a:schemeClr val="bg1"/>
-              </a:solidFill>
-              <a:latin typeface="Tinos"/>
-              <a:cs typeface="Tinos"/>
-            </a:endParaRPr>
-          </a:p>
-        </p:txBody>
-      </p:sp>
-      <p:sp>
-        <p:nvSpPr>
-          <p:cNvPr id="1708333852" name=""/>
-          <p:cNvSpPr txBox="1"/>
-          <p:nvPr/>
-        </p:nvSpPr>
-        <p:spPr bwMode="auto">
-          <a:xfrm flipH="0" flipV="0">
-            <a:off x="970762" y="1323639"/>
-            <a:ext cx="8525310" cy="10333079"/>
-          </a:xfrm>
-          <a:prstGeom prst="rect">
-            <a:avLst/>
-          </a:prstGeom>
-          <a:noFill/>
-        </p:spPr>
-        <p:txBody>
-          <a:bodyPr vertOverflow="overflow" horzOverflow="overflow" vert="horz" wrap="square" lIns="91440" tIns="45720" rIns="91440" bIns="45720" numCol="1" spcCol="0" rtlCol="0" fromWordArt="0" anchor="t" anchorCtr="0" forceAA="0" upright="0" compatLnSpc="0">
-            <a:spAutoFit/>
-          </a:bodyPr>
-          <a:p>
-            <a:pPr>
-              <a:defRPr/>
-            </a:pPr>
-            <a:endParaRPr sz="2800" b="0" i="0" u="none" strike="noStrike" cap="none" spc="0">
-              <a:solidFill>
-                <a:schemeClr val="bg1"/>
-              </a:solidFill>
-              <a:latin typeface="Agave"/>
-              <a:cs typeface="Agave"/>
-            </a:endParaRPr>
-          </a:p>
-          <a:p>
-            <a:pPr>
-              <a:defRPr/>
-            </a:pPr>
-            <a:endParaRPr lang="en-US" sz="2800" b="0" i="0" u="none" strike="noStrike" cap="none" spc="0">
-              <a:solidFill>
-                <a:schemeClr val="bg1"/>
-              </a:solidFill>
-              <a:latin typeface="Agave"/>
-              <a:cs typeface="Agave"/>
-            </a:endParaRPr>
-          </a:p>
-          <a:p>
-            <a:pPr>
-              <a:defRPr/>
-            </a:pPr>
-            <a:r>
-              <a:rPr lang="en-US" sz="2800" b="0" i="0" u="none" strike="noStrike" cap="none" spc="0">
-                <a:solidFill>
-                  <a:schemeClr val="bg1"/>
-                </a:solidFill>
-                <a:latin typeface="Agave"/>
-                <a:ea typeface="Agave"/>
-                <a:cs typeface="Agave"/>
-              </a:rPr>
-              <a:t>Children with mothers whose education level was </a:t>
-            </a:r>
-            <a:r>
-              <a:rPr lang="en-US" sz="2800" b="0" i="0" u="none" strike="noStrike" cap="none" spc="0">
-                <a:solidFill>
-                  <a:srgbClr val="00B0F0"/>
-                </a:solidFill>
-                <a:latin typeface="Agave"/>
-                <a:ea typeface="Agave"/>
-                <a:cs typeface="Agave"/>
-              </a:rPr>
-              <a:t>beyond primary </a:t>
-            </a:r>
-            <a:r>
-              <a:rPr lang="en-US" sz="2800" b="0" i="0" u="none" strike="noStrike" cap="none" spc="0">
-                <a:solidFill>
-                  <a:srgbClr val="00B0F0"/>
-                </a:solidFill>
-                <a:latin typeface="Agave"/>
-                <a:ea typeface="Agave"/>
-                <a:cs typeface="Agave"/>
-              </a:rPr>
-              <a:t>school</a:t>
-            </a:r>
-            <a:r>
-              <a:rPr lang="en-US" sz="2800" b="0" i="0" u="none" strike="noStrike" cap="none" spc="0">
-                <a:solidFill>
-                  <a:schemeClr val="bg1"/>
-                </a:solidFill>
-                <a:latin typeface="Agave"/>
-                <a:ea typeface="Agave"/>
-                <a:cs typeface="Agave"/>
-              </a:rPr>
-              <a:t> were </a:t>
-            </a:r>
-            <a:r>
-              <a:rPr lang="en-US" sz="2800" b="0" i="0" u="none" strike="noStrike" cap="none" spc="0">
-                <a:solidFill>
-                  <a:srgbClr val="FFC000"/>
-                </a:solidFill>
-                <a:latin typeface="Agave"/>
-                <a:ea typeface="Agave"/>
-                <a:cs typeface="Agave"/>
-              </a:rPr>
-              <a:t>4.7% less likely to be malaria-positiv</a:t>
-            </a:r>
-            <a:r>
-              <a:rPr lang="en-US" sz="2800" b="0" i="0" u="none" strike="noStrike" cap="none" spc="0">
-                <a:solidFill>
-                  <a:srgbClr val="FFC000"/>
-                </a:solidFill>
-                <a:latin typeface="Agave"/>
-                <a:ea typeface="Agave"/>
-                <a:cs typeface="Agave"/>
-              </a:rPr>
-              <a:t>e</a:t>
-            </a:r>
-            <a:r>
-              <a:rPr lang="en-US" sz="2800" b="0" i="0" u="none" strike="noStrike" cap="none" spc="0">
-                <a:solidFill>
-                  <a:schemeClr val="bg1"/>
-                </a:solidFill>
-                <a:latin typeface="Agave"/>
-                <a:ea typeface="Agave"/>
-                <a:cs typeface="Agave"/>
-              </a:rPr>
-              <a:t> (P &lt; 0.001). </a:t>
-            </a:r>
-            <a:endParaRPr lang="en-US" sz="2800" b="0" i="0" u="none" strike="noStrike" cap="none" spc="0">
-              <a:solidFill>
-                <a:schemeClr val="bg1"/>
-              </a:solidFill>
-              <a:latin typeface="Agave"/>
-              <a:ea typeface="Agave"/>
-              <a:cs typeface="Agave"/>
-            </a:endParaRPr>
-          </a:p>
-          <a:p>
-            <a:pPr>
-              <a:defRPr/>
-            </a:pPr>
-            <a:endParaRPr lang="en-US" sz="2800" b="0" i="0" u="none" strike="noStrike" cap="none" spc="0">
-              <a:solidFill>
-                <a:schemeClr val="bg1"/>
-              </a:solidFill>
-              <a:latin typeface="Agave"/>
-              <a:ea typeface="Agave"/>
-              <a:cs typeface="Agave"/>
-            </a:endParaRPr>
-          </a:p>
-          <a:p>
-            <a:pPr>
-              <a:defRPr/>
-            </a:pPr>
-            <a:r>
-              <a:rPr lang="en-US" sz="2800" b="0" i="0" u="none" strike="noStrike" cap="none" spc="0">
-                <a:solidFill>
-                  <a:schemeClr val="bg1"/>
-                </a:solidFill>
-                <a:latin typeface="Agave"/>
-                <a:ea typeface="Agave"/>
-                <a:cs typeface="Agave"/>
-              </a:rPr>
-              <a:t>Previous </a:t>
-            </a:r>
-            <a:r>
-              <a:rPr lang="en-US" sz="2800" b="0" i="0" u="none" strike="noStrike" cap="none" spc="0">
-                <a:solidFill>
-                  <a:schemeClr val="bg1"/>
-                </a:solidFill>
-                <a:latin typeface="Agave"/>
-                <a:ea typeface="Agave"/>
-                <a:cs typeface="Agave"/>
-              </a:rPr>
-              <a:t>studies have documented that </a:t>
-            </a:r>
-            <a:r>
-              <a:rPr lang="en-US" sz="2800" b="0" i="0" u="none" strike="noStrike" cap="none" spc="0">
-                <a:solidFill>
-                  <a:srgbClr val="00B0F0"/>
-                </a:solidFill>
-                <a:latin typeface="Agave"/>
-                <a:ea typeface="Agave"/>
-                <a:cs typeface="Agave"/>
-              </a:rPr>
-              <a:t>maternal education improves </a:t>
-            </a:r>
-            <a:r>
-              <a:rPr lang="en-US" sz="2800" b="0" i="0" u="none" strike="noStrike" cap="none" spc="0">
-                <a:solidFill>
-                  <a:srgbClr val="00B0F0"/>
-                </a:solidFill>
-                <a:latin typeface="Agave"/>
-                <a:ea typeface="Agave"/>
-                <a:cs typeface="Agave"/>
-              </a:rPr>
-              <a:t>health-related knowledge</a:t>
-            </a:r>
-            <a:r>
-              <a:rPr lang="en-US" sz="2800" b="0" i="0" u="none" strike="noStrike" cap="none" spc="0">
-                <a:solidFill>
-                  <a:schemeClr val="bg1"/>
-                </a:solidFill>
-                <a:latin typeface="Agave"/>
-                <a:ea typeface="Agave"/>
-                <a:cs typeface="Agave"/>
-              </a:rPr>
-              <a:t> and </a:t>
-            </a:r>
-            <a:r>
-              <a:rPr lang="en-US" sz="2800" b="0" i="0" u="none" strike="noStrike" cap="none" spc="0">
-                <a:solidFill>
-                  <a:schemeClr val="accent3"/>
-                </a:solidFill>
-                <a:latin typeface="Agave"/>
-                <a:ea typeface="Agave"/>
-                <a:cs typeface="Agave"/>
-              </a:rPr>
-              <a:t>increases mothers’ receptiveness to</a:t>
-            </a:r>
-            <a:endParaRPr sz="2800" b="0" i="0" u="none" strike="noStrike" cap="none" spc="0">
-              <a:solidFill>
-                <a:schemeClr val="accent3"/>
-              </a:solidFill>
-              <a:latin typeface="Agave"/>
-              <a:cs typeface="Agave"/>
-            </a:endParaRPr>
-          </a:p>
-          <a:p>
-            <a:pPr>
-              <a:defRPr/>
-            </a:pPr>
-            <a:r>
-              <a:rPr lang="en-US" sz="2800" b="0" i="0" u="none" strike="noStrike" cap="none" spc="0">
-                <a:solidFill>
-                  <a:schemeClr val="accent3"/>
-                </a:solidFill>
-                <a:latin typeface="Agave"/>
-                <a:ea typeface="Agave"/>
-                <a:cs typeface="Agave"/>
-              </a:rPr>
-              <a:t>health messages</a:t>
-            </a:r>
-            <a:r>
-              <a:rPr lang="en-US" sz="2800" b="0" i="0" u="none" strike="noStrike" cap="none" spc="0">
-                <a:solidFill>
-                  <a:schemeClr val="bg1"/>
-                </a:solidFill>
-                <a:latin typeface="Agave"/>
-                <a:ea typeface="Agave"/>
-                <a:cs typeface="Agave"/>
-              </a:rPr>
-              <a:t>... </a:t>
-            </a:r>
-            <a:r>
-              <a:rPr lang="en-US" sz="2800" b="0" i="0" u="none" strike="noStrike" cap="none" spc="0">
-                <a:solidFill>
-                  <a:schemeClr val="bg1"/>
-                </a:solidFill>
-                <a:latin typeface="Agave"/>
-                <a:ea typeface="Agave"/>
-                <a:cs typeface="Agave"/>
-              </a:rPr>
-              <a:t>regardless of whether the specific health </a:t>
-            </a:r>
-            <a:r>
-              <a:rPr lang="en-US" sz="2800" b="0" i="0" u="none" strike="noStrike" cap="none" spc="0">
-                <a:solidFill>
-                  <a:schemeClr val="bg1"/>
-                </a:solidFill>
-                <a:latin typeface="Agave"/>
-                <a:ea typeface="Agave"/>
-                <a:cs typeface="Agave"/>
-              </a:rPr>
-              <a:t>messages are covered in all school curricula...</a:t>
-            </a:r>
-            <a:endParaRPr lang="en-US" sz="2800" b="0" i="0" u="none" strike="noStrike" cap="none" spc="0">
-              <a:solidFill>
-                <a:schemeClr val="bg1"/>
-              </a:solidFill>
-              <a:latin typeface="Agave"/>
-              <a:ea typeface="Agave"/>
-              <a:cs typeface="Agave"/>
-            </a:endParaRPr>
-          </a:p>
-          <a:p>
-            <a:pPr>
-              <a:defRPr/>
-            </a:pPr>
-            <a:endParaRPr lang="en-US" sz="2800" b="0" i="0" u="none" strike="noStrike" cap="none" spc="0">
-              <a:solidFill>
-                <a:schemeClr val="bg1"/>
-              </a:solidFill>
-              <a:latin typeface="Agave"/>
-              <a:ea typeface="Agave"/>
-              <a:cs typeface="Agave"/>
-            </a:endParaRPr>
-          </a:p>
-          <a:p>
-            <a:pPr>
-              <a:defRPr/>
-            </a:pPr>
-            <a:r>
-              <a:rPr lang="en-US" sz="2800" b="0" i="0" u="none" strike="noStrike" cap="none" spc="0">
-                <a:solidFill>
-                  <a:schemeClr val="bg1"/>
-                </a:solidFill>
-                <a:latin typeface="Agave"/>
-                <a:ea typeface="Agave"/>
-                <a:cs typeface="Agave"/>
-              </a:rPr>
-              <a:t>Mothers with </a:t>
-            </a:r>
-            <a:r>
-              <a:rPr lang="en-US" sz="2800" b="0" i="0" u="none" strike="noStrike" cap="none" spc="0">
-                <a:solidFill>
-                  <a:srgbClr val="00B0F0"/>
-                </a:solidFill>
-                <a:latin typeface="Agave"/>
-                <a:ea typeface="Agave"/>
-                <a:cs typeface="Agave"/>
-              </a:rPr>
-              <a:t>poor knowledge about the</a:t>
-            </a:r>
-            <a:endParaRPr sz="2800" b="0" i="0" u="none" strike="noStrike" cap="none" spc="0">
-              <a:solidFill>
-                <a:srgbClr val="00B0F0"/>
-              </a:solidFill>
-              <a:latin typeface="Agave"/>
-              <a:cs typeface="Agave"/>
-            </a:endParaRPr>
-          </a:p>
-          <a:p>
-            <a:pPr>
-              <a:defRPr/>
-            </a:pPr>
-            <a:r>
-              <a:rPr lang="en-US" sz="2800" b="0" i="0" u="none" strike="noStrike" cap="none" spc="0">
-                <a:solidFill>
-                  <a:srgbClr val="00B0F0"/>
-                </a:solidFill>
-                <a:latin typeface="Agave"/>
-                <a:ea typeface="Agave"/>
-                <a:cs typeface="Agave"/>
-              </a:rPr>
-              <a:t>causes of malaria</a:t>
-            </a:r>
-            <a:r>
-              <a:rPr lang="en-US" sz="2800" b="0" i="0" u="none" strike="noStrike" cap="none" spc="0">
-                <a:solidFill>
-                  <a:schemeClr val="bg1"/>
-                </a:solidFill>
-                <a:latin typeface="Agave"/>
-                <a:ea typeface="Agave"/>
-                <a:cs typeface="Agave"/>
-              </a:rPr>
-              <a:t> are </a:t>
-            </a:r>
-            <a:r>
-              <a:rPr lang="en-US" sz="2800" b="0" i="0" u="none" strike="noStrike" cap="none" spc="0">
-                <a:solidFill>
-                  <a:srgbClr val="FFC000"/>
-                </a:solidFill>
-                <a:latin typeface="Agave"/>
-                <a:ea typeface="Agave"/>
-                <a:cs typeface="Agave"/>
-              </a:rPr>
-              <a:t>less likely to recognize malaria symptoms</a:t>
-            </a:r>
-            <a:r>
-              <a:rPr lang="en-US" sz="2800" b="0" i="0" u="none" strike="noStrike" cap="none" spc="0">
-                <a:solidFill>
-                  <a:schemeClr val="bg1"/>
-                </a:solidFill>
-                <a:latin typeface="Agave"/>
-                <a:ea typeface="Agave"/>
-                <a:cs typeface="Agave"/>
-              </a:rPr>
-              <a:t> </a:t>
-            </a:r>
-            <a:r>
-              <a:rPr lang="en-US" sz="2800" b="0" i="0" u="none" strike="noStrike" cap="none" spc="0">
-                <a:solidFill>
-                  <a:schemeClr val="bg1"/>
-                </a:solidFill>
-                <a:latin typeface="Agave"/>
-                <a:ea typeface="Agave"/>
-                <a:cs typeface="Agave"/>
-              </a:rPr>
-              <a:t>or </a:t>
-            </a:r>
-            <a:r>
-              <a:rPr lang="en-US" sz="2800" b="0" i="0" u="none" strike="noStrike" cap="none" spc="0">
-                <a:solidFill>
-                  <a:schemeClr val="accent3"/>
-                </a:solidFill>
-                <a:latin typeface="Agave"/>
-                <a:ea typeface="Agave"/>
-                <a:cs typeface="Agave"/>
-              </a:rPr>
-              <a:t>take proper and prompt actions when their children became </a:t>
-            </a:r>
-            <a:r>
-              <a:rPr lang="en-US" sz="2800" b="0" i="0" u="none" strike="noStrike" cap="none" spc="0">
-                <a:solidFill>
-                  <a:schemeClr val="accent3"/>
-                </a:solidFill>
-                <a:latin typeface="Agave"/>
-                <a:ea typeface="Agave"/>
-                <a:cs typeface="Agave"/>
-              </a:rPr>
-              <a:t>sick</a:t>
-            </a:r>
-            <a:r>
-              <a:rPr lang="en-US" sz="2800" b="0" i="0" u="none" strike="noStrike" cap="none" spc="0">
-                <a:solidFill>
-                  <a:schemeClr val="bg1"/>
-                </a:solidFill>
-                <a:latin typeface="Agave"/>
-                <a:ea typeface="Agave"/>
-                <a:cs typeface="Agave"/>
-              </a:rPr>
-              <a:t>. </a:t>
-            </a:r>
-            <a:endParaRPr lang="en-US" sz="2800" b="0" i="0" u="none" strike="noStrike" cap="none" spc="0">
-              <a:solidFill>
-                <a:schemeClr val="bg1"/>
-              </a:solidFill>
-              <a:latin typeface="Agave"/>
-              <a:ea typeface="Agave"/>
-              <a:cs typeface="Agave"/>
-            </a:endParaRPr>
-          </a:p>
-          <a:p>
-            <a:pPr>
-              <a:defRPr/>
-            </a:pPr>
-            <a:endParaRPr lang="en-US" sz="2800" b="0" i="0" u="none" strike="noStrike" cap="none" spc="0">
-              <a:solidFill>
-                <a:schemeClr val="bg1"/>
-              </a:solidFill>
-              <a:latin typeface="Agave"/>
-              <a:cs typeface="Agave"/>
-            </a:endParaRPr>
-          </a:p>
-          <a:p>
-            <a:pPr>
-              <a:defRPr/>
-            </a:pPr>
-            <a:r>
-              <a:rPr lang="en-US" sz="2800" b="0" i="0" u="none" strike="noStrike" cap="none" spc="0">
-                <a:solidFill>
-                  <a:srgbClr val="EB6F92"/>
-                </a:solidFill>
-                <a:latin typeface="Agave"/>
-                <a:cs typeface="Agave"/>
-              </a:rPr>
-              <a:t>-</a:t>
-            </a:r>
-            <a:r>
-              <a:rPr lang="en-US" sz="2800" b="0" i="1" u="none" strike="noStrike" cap="none" spc="0">
-                <a:solidFill>
-                  <a:srgbClr val="EB6F92"/>
-                </a:solidFill>
-                <a:latin typeface="Agave"/>
-                <a:ea typeface="Agave"/>
-                <a:cs typeface="Agave"/>
-              </a:rPr>
-              <a:t>Njau et al</a:t>
-            </a:r>
-            <a:r>
-              <a:rPr lang="en-US" sz="2800" b="0" i="1" u="none" strike="noStrike" cap="none" spc="0">
-                <a:solidFill>
-                  <a:srgbClr val="EB6F92"/>
-                </a:solidFill>
-                <a:latin typeface="Agave"/>
-                <a:cs typeface="Agave"/>
-              </a:rPr>
-              <a:t> (2014)</a:t>
-            </a:r>
-            <a:endParaRPr lang="en-US" sz="2800" b="0" i="0" u="none" strike="noStrike" cap="none" spc="0">
-              <a:solidFill>
-                <a:schemeClr val="bg1"/>
-              </a:solidFill>
-              <a:latin typeface="Agave"/>
-              <a:cs typeface="Agave"/>
-            </a:endParaRPr>
-          </a:p>
-          <a:p>
-            <a:pPr>
-              <a:defRPr/>
-            </a:pPr>
-            <a:endParaRPr lang="en-US" sz="2800" b="0" i="0" u="none" strike="noStrike" cap="none" spc="0">
-              <a:solidFill>
-                <a:schemeClr val="bg1"/>
-              </a:solidFill>
-              <a:latin typeface="Agave"/>
-              <a:cs typeface="Agave"/>
-            </a:endParaRPr>
-          </a:p>
-          <a:p>
-            <a:pPr>
-              <a:defRPr/>
-            </a:pPr>
-            <a:endParaRPr lang="en-US" sz="2800" b="0" i="0" u="none" strike="noStrike" cap="none" spc="0">
-              <a:solidFill>
-                <a:schemeClr val="bg1"/>
-              </a:solidFill>
-              <a:latin typeface="Agave"/>
-              <a:ea typeface="Agave"/>
-              <a:cs typeface="Agave"/>
-            </a:endParaRPr>
-          </a:p>
-          <a:p>
-            <a:pPr>
-              <a:defRPr/>
-            </a:pPr>
-            <a:endParaRPr sz="2800" b="0" i="0" u="none" strike="noStrike" cap="none" spc="0">
-              <a:solidFill>
-                <a:schemeClr val="bg1"/>
-              </a:solidFill>
-              <a:latin typeface="Agave"/>
-              <a:cs typeface="Agave"/>
-            </a:endParaRPr>
-          </a:p>
-          <a:p>
-            <a:pPr>
-              <a:defRPr/>
-            </a:pPr>
-            <a:endParaRPr sz="2800" b="0" i="0" u="none" strike="noStrike" cap="none" spc="0">
-              <a:solidFill>
-                <a:schemeClr val="bg1"/>
-              </a:solidFill>
-              <a:latin typeface="Agave"/>
-              <a:cs typeface="Agave"/>
-            </a:endParaRPr>
-          </a:p>
-          <a:p>
-            <a:pPr>
-              <a:defRPr/>
-            </a:pPr>
-            <a:endParaRPr sz="2800" b="0" i="0" u="none" strike="noStrike" cap="none" spc="0">
-              <a:solidFill>
-                <a:schemeClr val="bg1"/>
-              </a:solidFill>
-              <a:latin typeface="Agave"/>
-              <a:cs typeface="Agave"/>
-            </a:endParaRPr>
-          </a:p>
-        </p:txBody>
-      </p:sp>
-      <p:sp>
-        <p:nvSpPr>
-          <p:cNvPr id="2058757747" name="TextBox 6"/>
-          <p:cNvSpPr txBox="1"/>
-          <p:nvPr/>
-        </p:nvSpPr>
-        <p:spPr bwMode="auto">
-          <a:xfrm rot="0" flipH="0" flipV="0">
-            <a:off x="-80784" y="710786"/>
-            <a:ext cx="10592057" cy="782298"/>
-          </a:xfrm>
-          <a:prstGeom prst="rect">
-            <a:avLst/>
-          </a:prstGeom>
-        </p:spPr>
-        <p:txBody>
-          <a:bodyPr lIns="0" tIns="0" rIns="0" bIns="0" rtlCol="0" anchor="t">
-            <a:spAutoFit/>
-          </a:bodyPr>
-          <a:lstStyle/>
-          <a:p>
-            <a:pPr algn="ctr">
-              <a:lnSpc>
-                <a:spcPts val="6156"/>
-              </a:lnSpc>
-              <a:defRPr/>
-            </a:pPr>
-            <a:r>
-              <a:rPr lang="en-US" sz="2200" b="0">
-                <a:solidFill>
-                  <a:schemeClr val="bg1">
-                    <a:lumMod val="75000"/>
-                  </a:schemeClr>
-                </a:solidFill>
-                <a:latin typeface="Agave"/>
-                <a:ea typeface="Agave"/>
-                <a:cs typeface="Agave"/>
-              </a:rPr>
-              <a:t>Njau et al, </a:t>
-            </a:r>
-            <a:r>
-              <a:rPr lang="en-US" sz="2200" b="0" i="0" u="none" strike="noStrike" cap="none" spc="0">
-                <a:solidFill>
-                  <a:schemeClr val="bg1">
-                    <a:lumMod val="75000"/>
-                  </a:schemeClr>
-                </a:solidFill>
-                <a:latin typeface="Agave"/>
-                <a:ea typeface="Agave"/>
-                <a:cs typeface="Agave"/>
-              </a:rPr>
-              <a:t>Am. J. Trop. Med. Hyg., 91(3), 2014, pp. 509–519</a:t>
-            </a:r>
-            <a:endParaRPr sz="2200" b="0">
-              <a:solidFill>
-                <a:schemeClr val="bg1">
-                  <a:lumMod val="75000"/>
-                </a:schemeClr>
-              </a:solidFill>
-              <a:latin typeface="Tinos"/>
-              <a:cs typeface="Tinos"/>
-            </a:endParaRPr>
-          </a:p>
-        </p:txBody>
-      </p:sp>
       <p:sp>
         <p:nvSpPr>
           <p:cNvPr id="1933975340" name=""/>
@@ -5120,14 +4373,14 @@
       </p:sp>
       <p:sp>
         <p:nvSpPr>
-          <p:cNvPr id="1012988582" name="TextBox 6"/>
+          <p:cNvPr id="1903045166" name="TextBox 6"/>
           <p:cNvSpPr txBox="1"/>
           <p:nvPr/>
         </p:nvSpPr>
         <p:spPr bwMode="auto">
           <a:xfrm rot="0" flipH="0" flipV="0">
-            <a:off x="501507" y="9279210"/>
-            <a:ext cx="4016785" cy="782298"/>
+            <a:off x="8875236" y="9443439"/>
+            <a:ext cx="1263219" cy="782552"/>
           </a:xfrm>
           <a:prstGeom prst="rect">
             <a:avLst/>
@@ -5141,7 +4394,55 @@
           <a:p>
             <a:pPr algn="ctr">
               <a:lnSpc>
-                <a:spcPts val="6156"/>
+                <a:spcPts val="6158"/>
+              </a:lnSpc>
+              <a:defRPr/>
+            </a:pPr>
+            <a:r>
+              <a:rPr lang="en-US" sz="2600" b="0">
+                <a:solidFill>
+                  <a:schemeClr val="bg1"/>
+                </a:solidFill>
+                <a:latin typeface="Agave"/>
+                <a:ea typeface="Agave"/>
+                <a:cs typeface="Agave"/>
+              </a:rPr>
+              <a:t>2/3</a:t>
+            </a:r>
+            <a:endParaRPr sz="2600" b="0">
+              <a:solidFill>
+                <a:schemeClr val="bg1"/>
+              </a:solidFill>
+              <a:latin typeface="Tinos"/>
+              <a:cs typeface="Tinos"/>
+            </a:endParaRPr>
+          </a:p>
+        </p:txBody>
+      </p:sp>
+      <p:sp>
+        <p:nvSpPr>
+          <p:cNvPr id="771848916" name="TextBox 6"/>
+          <p:cNvSpPr txBox="1"/>
+          <p:nvPr/>
+        </p:nvSpPr>
+        <p:spPr bwMode="auto">
+          <a:xfrm rot="0" flipH="0" flipV="0">
+            <a:off x="173058" y="9377743"/>
+            <a:ext cx="4017504" cy="782172"/>
+          </a:xfrm>
+          <a:prstGeom prst="rect">
+            <a:avLst/>
+          </a:prstGeom>
+        </p:spPr>
+        <p:txBody>
+          <a:bodyPr lIns="0" tIns="0" rIns="0" bIns="0" rtlCol="0" anchor="t">
+            <a:spAutoFit/>
+          </a:bodyPr>
+          <a:lstStyle/>
+          <a:p>
+            <a:pPr algn="ctr">
+              <a:lnSpc>
+                <a:spcPts val="6155"/>
               </a:lnSpc>
               <a:defRPr/>
             </a:pPr>
@@ -5166,35 +4467,72 @@
           </a:p>
         </p:txBody>
       </p:sp>
-      <p:sp>
-        <p:nvSpPr>
-          <p:cNvPr id="878996586" name="TextBox 6"/>
+      <p:cxnSp>
+        <p:nvCxnSpPr>
+          <p:cNvPr id="1313382190" name=""/>
+          <p:cNvCxnSpPr>
+            <a:cxnSpLocks/>
+          </p:cNvCxnSpPr>
+          <p:nvPr/>
+        </p:nvCxnSpPr>
+        <p:spPr bwMode="auto">
+          <a:xfrm flipH="0" flipV="0">
+            <a:off x="13611" y="9578863"/>
+            <a:ext cx="10247581" cy="75540"/>
+          </a:xfrm>
+          <a:prstGeom prst="line">
+            <a:avLst/>
+          </a:prstGeom>
+          <a:ln w="38099" cap="flat" cmpd="sng" algn="ctr">
+            <a:solidFill>
+              <a:schemeClr val="bg1"/>
+            </a:solidFill>
+            <a:prstDash val="solid"/>
+          </a:ln>
+        </p:spPr>
+        <p:style>
+          <a:lnRef idx="1">
+            <a:schemeClr val="accent1">
+              <a:shade val="50000"/>
+            </a:schemeClr>
+          </a:lnRef>
+          <a:fillRef idx="0">
+            <a:schemeClr val="accent1"/>
+          </a:fillRef>
+          <a:effectRef idx="0">
+            <a:schemeClr val="accent1"/>
+          </a:effectRef>
+          <a:fontRef idx="minor">
+            <a:schemeClr val="tx1"/>
+          </a:fontRef>
+        </p:style>
+      </p:cxnSp>
+      <p:sp>
+        <p:nvSpPr>
+          <p:cNvPr id="195892094" name=""/>
           <p:cNvSpPr txBox="1"/>
           <p:nvPr/>
         </p:nvSpPr>
         <p:spPr bwMode="auto">
-          <a:xfrm rot="0" flipH="0" flipV="0">
-            <a:off x="-414855" y="163459"/>
-            <a:ext cx="11106559" cy="782425"/>
+          <a:xfrm flipH="0" flipV="0">
+            <a:off x="970763" y="1159416"/>
+            <a:ext cx="8608470" cy="9723479"/>
           </a:xfrm>
           <a:prstGeom prst="rect">
             <a:avLst/>
           </a:prstGeom>
+          <a:noFill/>
         </p:spPr>
         <p:txBody>
-          <a:bodyPr lIns="0" tIns="0" rIns="0" bIns="0" rtlCol="0" anchor="t">
+          <a:bodyPr vertOverflow="overflow" horzOverflow="overflow" vert="horz" wrap="square" lIns="91440" tIns="45720" rIns="91440" bIns="45720" numCol="1" spcCol="0" rtlCol="0" fromWordArt="0" anchor="t" anchorCtr="0" forceAA="0" upright="0" compatLnSpc="0">
             <a:spAutoFit/>
           </a:bodyPr>
-          <a:lstStyle/>
-          <a:p>
-            <a:pPr algn="ctr">
-              <a:lnSpc>
-                <a:spcPts val="6157"/>
-              </a:lnSpc>
-              <a:defRPr/>
-            </a:pPr>
-            <a:r>
-              <a:rPr lang="en-US" sz="2600" b="0">
+          <a:p>
+            <a:pPr>
+              <a:defRPr/>
+            </a:pPr>
+            <a:r>
+              <a:rPr lang="en-US" sz="3600" b="0" i="0" u="none" strike="noStrike" cap="none" spc="0">
                 <a:solidFill>
                   <a:schemeClr val="bg1"/>
                 </a:solidFill>
@@ -5202,14 +4540,211 @@
                 <a:ea typeface="Agave"/>
                 <a:cs typeface="Agave"/>
               </a:rPr>
-              <a:t>Educated Mothers and Rates of Childhood Malaria Infection</a:t>
-            </a:r>
-            <a:endParaRPr sz="2600" b="0">
+              <a:t>Children with mothers whose </a:t>
+            </a:r>
+            <a:r>
+              <a:rPr lang="en-US" sz="3600" b="0" i="0" u="none" strike="noStrike" cap="none" spc="0">
+                <a:solidFill>
+                  <a:srgbClr val="00B0F0"/>
+                </a:solidFill>
+                <a:latin typeface="Agave"/>
+                <a:ea typeface="Agave"/>
+                <a:cs typeface="Agave"/>
+              </a:rPr>
+              <a:t>education level was beyond primary school</a:t>
+            </a:r>
+            <a:r>
+              <a:rPr lang="en-US" sz="3600" b="0" i="0" u="none" strike="noStrike" cap="none" spc="0">
+                <a:solidFill>
+                  <a:schemeClr val="bg1"/>
+                </a:solidFill>
+                <a:latin typeface="Agave"/>
+                <a:ea typeface="Agave"/>
+                <a:cs typeface="Agave"/>
+              </a:rPr>
+              <a:t> were </a:t>
+            </a:r>
+            <a:r>
+              <a:rPr lang="en-US" sz="3600" b="0" i="0" u="none" strike="noStrike" cap="none" spc="0">
+                <a:solidFill>
+                  <a:srgbClr val="FFC000"/>
+                </a:solidFill>
+                <a:latin typeface="Agave"/>
+                <a:ea typeface="Agave"/>
+                <a:cs typeface="Agave"/>
+              </a:rPr>
+              <a:t>4.7% less likely to be malaria-positive</a:t>
+            </a:r>
+            <a:endParaRPr sz="3600" b="0" i="0" u="none" strike="noStrike" cap="none" spc="0">
               <a:solidFill>
                 <a:schemeClr val="bg1"/>
               </a:solidFill>
-              <a:latin typeface="Tinos"/>
-              <a:cs typeface="Tinos"/>
+              <a:latin typeface="Agave"/>
+              <a:cs typeface="Agave"/>
+            </a:endParaRPr>
+          </a:p>
+          <a:p>
+            <a:pPr>
+              <a:defRPr/>
+            </a:pPr>
+            <a:endParaRPr sz="3600" b="0" i="0" u="none" strike="noStrike" cap="none" spc="0">
+              <a:solidFill>
+                <a:schemeClr val="bg1"/>
+              </a:solidFill>
+              <a:latin typeface="Agave"/>
+              <a:cs typeface="Agave"/>
+            </a:endParaRPr>
+          </a:p>
+          <a:p>
+            <a:pPr>
+              <a:defRPr/>
+            </a:pPr>
+            <a:r>
+              <a:rPr lang="en-US" sz="3600" b="0" i="0" u="none" strike="noStrike" cap="none" spc="0">
+                <a:solidFill>
+                  <a:schemeClr val="bg1"/>
+                </a:solidFill>
+                <a:latin typeface="Agave"/>
+                <a:ea typeface="Agave"/>
+                <a:cs typeface="Agave"/>
+              </a:rPr>
+              <a:t>Previous studies have documented that </a:t>
+            </a:r>
+            <a:r>
+              <a:rPr lang="en-US" sz="3600" b="0" i="0" u="none" strike="noStrike" cap="none" spc="0">
+                <a:solidFill>
+                  <a:srgbClr val="92D050"/>
+                </a:solidFill>
+                <a:latin typeface="Agave"/>
+                <a:ea typeface="Agave"/>
+                <a:cs typeface="Agave"/>
+              </a:rPr>
+              <a:t>maternal education improves health-related knowledge and increases mothers’ receptiveness to</a:t>
+            </a:r>
+            <a:endParaRPr sz="3600" b="0" i="0" u="none" strike="noStrike" cap="none" spc="0">
+              <a:solidFill>
+                <a:srgbClr val="92D050"/>
+              </a:solidFill>
+              <a:latin typeface="Agave"/>
+              <a:cs typeface="Agave"/>
+            </a:endParaRPr>
+          </a:p>
+          <a:p>
+            <a:pPr>
+              <a:defRPr/>
+            </a:pPr>
+            <a:r>
+              <a:rPr lang="en-US" sz="3600" b="0" i="0" u="none" strike="noStrike" cap="none" spc="0">
+                <a:solidFill>
+                  <a:srgbClr val="92D050"/>
+                </a:solidFill>
+                <a:latin typeface="Agave"/>
+                <a:ea typeface="Agave"/>
+                <a:cs typeface="Agave"/>
+              </a:rPr>
+              <a:t>health messages... </a:t>
+            </a:r>
+            <a:endParaRPr sz="3600" b="0" i="0" u="none" strike="noStrike" cap="none" spc="0">
+              <a:solidFill>
+                <a:srgbClr val="92D050"/>
+              </a:solidFill>
+              <a:latin typeface="Agave"/>
+              <a:cs typeface="Agave"/>
+            </a:endParaRPr>
+          </a:p>
+          <a:p>
+            <a:pPr>
+              <a:defRPr/>
+            </a:pPr>
+            <a:endParaRPr sz="3600" b="0" i="0" u="none" strike="noStrike" cap="none" spc="0">
+              <a:solidFill>
+                <a:schemeClr val="bg1"/>
+              </a:solidFill>
+              <a:latin typeface="Agave"/>
+              <a:cs typeface="Agave"/>
+            </a:endParaRPr>
+          </a:p>
+          <a:p>
+            <a:pPr>
+              <a:defRPr/>
+            </a:pPr>
+            <a:r>
+              <a:rPr lang="en-US" sz="2800" b="0" i="1" u="none" strike="noStrike" cap="none" spc="0">
+                <a:solidFill>
+                  <a:schemeClr val="bg1"/>
+                </a:solidFill>
+                <a:latin typeface="Agave"/>
+                <a:ea typeface="Agave"/>
+                <a:cs typeface="Agave"/>
+              </a:rPr>
+              <a:t>Njau et al, Am. J. Trop. Med. Hyg., 91(3), 2014, pp. 509–519</a:t>
+            </a:r>
+            <a:endParaRPr sz="2800" b="0" i="1" u="none" strike="noStrike" cap="none" spc="0">
+              <a:solidFill>
+                <a:schemeClr val="bg1"/>
+              </a:solidFill>
+              <a:latin typeface="Agave"/>
+              <a:cs typeface="Agave"/>
+            </a:endParaRPr>
+          </a:p>
+          <a:p>
+            <a:pPr>
+              <a:defRPr/>
+            </a:pPr>
+            <a:endParaRPr sz="3600" b="0" i="0" u="none" strike="noStrike" cap="none" spc="0">
+              <a:solidFill>
+                <a:schemeClr val="bg1"/>
+              </a:solidFill>
+              <a:latin typeface="Agave"/>
+              <a:cs typeface="Agave"/>
+            </a:endParaRPr>
+          </a:p>
+          <a:p>
+            <a:pPr>
+              <a:defRPr/>
+            </a:pPr>
+            <a:endParaRPr sz="3600" b="0" i="0" u="none" strike="noStrike" cap="none" spc="0">
+              <a:solidFill>
+                <a:schemeClr val="bg1"/>
+              </a:solidFill>
+              <a:latin typeface="Agave"/>
+              <a:cs typeface="Agave"/>
+            </a:endParaRPr>
+          </a:p>
+          <a:p>
+            <a:pPr>
+              <a:defRPr/>
+            </a:pPr>
+            <a:endParaRPr sz="3600" b="0" i="0" u="none" strike="noStrike" cap="none" spc="0">
+              <a:solidFill>
+                <a:schemeClr val="bg1"/>
+              </a:solidFill>
+              <a:latin typeface="Agave"/>
+              <a:cs typeface="Agave"/>
+            </a:endParaRPr>
+          </a:p>
+          <a:p>
+            <a:pPr>
+              <a:defRPr/>
+            </a:pPr>
+            <a:endParaRPr sz="3600" b="0" i="0" u="none" strike="noStrike" cap="none" spc="0">
+              <a:solidFill>
+                <a:schemeClr val="bg1"/>
+              </a:solidFill>
+              <a:latin typeface="Agave"/>
+              <a:cs typeface="Agave"/>
+            </a:endParaRPr>
+          </a:p>
+          <a:p>
+            <a:pPr>
+              <a:defRPr/>
+            </a:pPr>
+            <a:endParaRPr sz="3600" b="0" i="0" u="none" strike="noStrike" cap="none" spc="0">
+              <a:solidFill>
+                <a:schemeClr val="bg1"/>
+              </a:solidFill>
+              <a:latin typeface="Agave"/>
+              <a:cs typeface="Agave"/>
             </a:endParaRPr>
           </a:p>
         </p:txBody>
@@ -5236,10 +4771,9 @@
     <p:bg>
       <p:bgPr shadeToTitle="0">
         <a:solidFill>
-          <a:schemeClr val="accent4">
-            <a:lumMod val="50000"/>
+          <a:srgbClr val="26233A">
             <a:alpha val="99999"/>
-          </a:schemeClr>
+          </a:srgbClr>
         </a:solidFill>
       </p:bgPr>
     </p:bg>
@@ -5257,615 +4791,6 @@
           <a:chExt cx="0" cy="0"/>
         </a:xfrm>
       </p:grpSpPr>
-      <p:sp>
-        <p:nvSpPr>
-          <p:cNvPr id="2003307179" name=""/>
-          <p:cNvSpPr/>
-          <p:nvPr/>
-        </p:nvSpPr>
-        <p:spPr bwMode="auto">
-          <a:xfrm flipH="0" flipV="0">
-            <a:off x="581145" y="1619247"/>
-            <a:ext cx="9081798" cy="7938594"/>
-          </a:xfrm>
-          <a:prstGeom prst="roundRect">
-            <a:avLst>
-              <a:gd name="adj" fmla="val 3765"/>
-            </a:avLst>
-          </a:prstGeom>
-          <a:solidFill>
-            <a:srgbClr val="232136"/>
-          </a:solidFill>
-          <a:ln w="25400" cap="flat" cmpd="sng" algn="ctr">
-            <a:noFill/>
-            <a:prstDash val="solid"/>
-          </a:ln>
-        </p:spPr>
-        <p:style>
-          <a:lnRef idx="2">
-            <a:schemeClr val="accent1">
-              <a:shade val="50000"/>
-            </a:schemeClr>
-          </a:lnRef>
-          <a:fillRef idx="1">
-            <a:schemeClr val="accent1"/>
-          </a:fillRef>
-          <a:effectRef idx="0">
-            <a:schemeClr val="accent1"/>
-          </a:effectRef>
-          <a:fontRef idx="minor">
-            <a:schemeClr val="lt1"/>
-          </a:fontRef>
-        </p:style>
-      </p:sp>
-      <p:sp>
-        <p:nvSpPr>
-          <p:cNvPr id="390018526" name="TextBox 6"/>
-          <p:cNvSpPr txBox="1"/>
-          <p:nvPr/>
-        </p:nvSpPr>
-        <p:spPr bwMode="auto">
-          <a:xfrm rot="0" flipH="0" flipV="0">
-            <a:off x="8875237" y="9443440"/>
-            <a:ext cx="1263222" cy="782552"/>
-          </a:xfrm>
-          <a:prstGeom prst="rect">
-            <a:avLst/>
-          </a:prstGeom>
-        </p:spPr>
-        <p:txBody>
-          <a:bodyPr lIns="0" tIns="0" rIns="0" bIns="0" rtlCol="0" anchor="t">
-            <a:spAutoFit/>
-          </a:bodyPr>
-          <a:lstStyle/>
-          <a:p>
-            <a:pPr algn="ctr">
-              <a:lnSpc>
-                <a:spcPts val="6159"/>
-              </a:lnSpc>
-              <a:defRPr/>
-            </a:pPr>
-            <a:r>
-              <a:rPr lang="en-US" sz="2600" b="0">
-                <a:solidFill>
-                  <a:schemeClr val="bg1"/>
-                </a:solidFill>
-                <a:latin typeface="Agave"/>
-                <a:ea typeface="Agave"/>
-                <a:cs typeface="Agave"/>
-              </a:rPr>
-              <a:t>3/3</a:t>
-            </a:r>
-            <a:endParaRPr sz="2600" b="0">
-              <a:solidFill>
-                <a:schemeClr val="bg1"/>
-              </a:solidFill>
-              <a:latin typeface="Tinos"/>
-              <a:cs typeface="Tinos"/>
-            </a:endParaRPr>
-          </a:p>
-        </p:txBody>
-      </p:sp>
-      <p:sp>
-        <p:nvSpPr>
-          <p:cNvPr id="1359300248" name=""/>
-          <p:cNvSpPr txBox="1"/>
-          <p:nvPr/>
-        </p:nvSpPr>
-        <p:spPr bwMode="auto">
-          <a:xfrm flipH="0" flipV="0">
-            <a:off x="813600" y="1988637"/>
-            <a:ext cx="8695046" cy="7407000"/>
-          </a:xfrm>
-          <a:prstGeom prst="rect">
-            <a:avLst/>
-          </a:prstGeom>
-          <a:noFill/>
-        </p:spPr>
-        <p:txBody>
-          <a:bodyPr vertOverflow="overflow" horzOverflow="overflow" vert="horz" wrap="square" lIns="91440" tIns="45720" rIns="91440" bIns="45720" numCol="1" spcCol="0" rtlCol="0" fromWordArt="0" anchor="t" anchorCtr="0" forceAA="0" upright="0" compatLnSpc="0">
-            <a:spAutoFit/>
-          </a:bodyPr>
-          <a:p>
-            <a:pPr>
-              <a:defRPr/>
-            </a:pPr>
-            <a:r>
-              <a:rPr lang="en-US" sz="2400" b="0" i="1" u="none" strike="noStrike" cap="none" spc="0">
-                <a:solidFill>
-                  <a:srgbClr val="EB6F92"/>
-                </a:solidFill>
-                <a:latin typeface="Agave"/>
-                <a:ea typeface="Agave"/>
-                <a:cs typeface="Agave"/>
-              </a:rPr>
-              <a:t>Hosea 4:6 </a:t>
-            </a:r>
-            <a:r>
-              <a:rPr lang="en-US" sz="2400" b="0" i="0" u="none" strike="noStrike" cap="none" spc="0">
-                <a:solidFill>
-                  <a:schemeClr val="bg1"/>
-                </a:solidFill>
-                <a:latin typeface="Agave"/>
-                <a:ea typeface="Agave"/>
-                <a:cs typeface="Agave"/>
-              </a:rPr>
-              <a:t>“My people are destroyed for lack of </a:t>
-            </a:r>
-            <a:r>
-              <a:rPr lang="en-US" sz="2400" b="0" i="0" u="none" strike="noStrike" cap="none" spc="0">
-                <a:solidFill>
-                  <a:srgbClr val="00B0F0"/>
-                </a:solidFill>
-                <a:latin typeface="Agave"/>
-                <a:ea typeface="Agave"/>
-                <a:cs typeface="Agave"/>
-              </a:rPr>
-              <a:t>knowledge</a:t>
-            </a:r>
-            <a:r>
-              <a:rPr lang="en-US" sz="2400" b="0" i="0" u="none" strike="noStrike" cap="none" spc="0">
-                <a:solidFill>
-                  <a:schemeClr val="bg1"/>
-                </a:solidFill>
-                <a:latin typeface="Agave"/>
-                <a:ea typeface="Agave"/>
-                <a:cs typeface="Agave"/>
-              </a:rPr>
-              <a:t>”</a:t>
-            </a:r>
-            <a:endParaRPr lang="en-US" sz="2400" b="0" i="0" u="none" strike="noStrike" cap="none" spc="0">
-              <a:solidFill>
-                <a:schemeClr val="bg1"/>
-              </a:solidFill>
-              <a:latin typeface="Agave"/>
-              <a:ea typeface="Agave"/>
-              <a:cs typeface="Agave"/>
-            </a:endParaRPr>
-          </a:p>
-          <a:p>
-            <a:pPr>
-              <a:defRPr/>
-            </a:pPr>
-            <a:endParaRPr sz="2400" b="0" i="1" u="none" strike="noStrike" cap="none" spc="0">
-              <a:solidFill>
-                <a:srgbClr val="EB6F92"/>
-              </a:solidFill>
-              <a:latin typeface="Agave"/>
-              <a:ea typeface="Agave"/>
-              <a:cs typeface="Agave"/>
-            </a:endParaRPr>
-          </a:p>
-          <a:p>
-            <a:pPr>
-              <a:defRPr/>
-            </a:pPr>
-            <a:r>
-              <a:rPr lang="en-US" sz="2400" b="0" i="0" u="none" strike="noStrike" cap="none" spc="0">
-                <a:solidFill>
-                  <a:schemeClr val="accent3"/>
-                </a:solidFill>
-                <a:latin typeface="Agave"/>
-                <a:ea typeface="Agave"/>
-                <a:cs typeface="Agave"/>
-              </a:rPr>
-              <a:t>Too little attention is generally given to the preservation of health</a:t>
-            </a:r>
-            <a:r>
-              <a:rPr lang="en-US" sz="2400" b="0" i="0" u="none" strike="noStrike" cap="none" spc="0">
-                <a:solidFill>
-                  <a:schemeClr val="bg1"/>
-                </a:solidFill>
-                <a:latin typeface="Agave"/>
-                <a:ea typeface="Agave"/>
-                <a:cs typeface="Agave"/>
-              </a:rPr>
-              <a:t>. It is </a:t>
-            </a:r>
-            <a:r>
-              <a:rPr lang="en-US" sz="2400" b="0" i="0" u="none" strike="noStrike" cap="none" spc="0">
-                <a:solidFill>
-                  <a:srgbClr val="FFC000"/>
-                </a:solidFill>
-                <a:latin typeface="Agave"/>
-                <a:ea typeface="Agave"/>
-                <a:cs typeface="Agave"/>
-              </a:rPr>
-              <a:t>far better to prevent disease than to know how to treat it</a:t>
-            </a:r>
-            <a:endParaRPr lang="en-US" sz="2400" b="0" i="0" u="none" strike="noStrike" cap="none" spc="0">
-              <a:solidFill>
-                <a:schemeClr val="bg1"/>
-              </a:solidFill>
-              <a:latin typeface="Agave"/>
-              <a:ea typeface="Agave"/>
-              <a:cs typeface="Agave"/>
-            </a:endParaRPr>
-          </a:p>
-          <a:p>
-            <a:pPr>
-              <a:defRPr/>
-            </a:pPr>
-            <a:endParaRPr lang="en-US" sz="2400" b="0" i="0" u="none" strike="noStrike" cap="none" spc="0">
-              <a:solidFill>
-                <a:schemeClr val="bg1"/>
-              </a:solidFill>
-              <a:latin typeface="Agave"/>
-              <a:ea typeface="Agave"/>
-              <a:cs typeface="Agave"/>
-            </a:endParaRPr>
-          </a:p>
-          <a:p>
-            <a:pPr>
-              <a:defRPr/>
-            </a:pPr>
-            <a:r>
-              <a:rPr lang="en-US" sz="2400" b="0" i="0" u="none" strike="noStrike" cap="none" spc="0">
-                <a:solidFill>
-                  <a:schemeClr val="bg1"/>
-                </a:solidFill>
-                <a:latin typeface="Agave"/>
-                <a:ea typeface="Agave"/>
-                <a:cs typeface="Agave"/>
-              </a:rPr>
-              <a:t>...It is the duty of every person, for one's own sake, and for the sake of humanity, </a:t>
-            </a:r>
-            <a:r>
-              <a:rPr lang="en-US" sz="2400" b="0" i="0" u="none" strike="noStrike" cap="none" spc="0">
-                <a:solidFill>
-                  <a:schemeClr val="accent3"/>
-                </a:solidFill>
-                <a:latin typeface="Agave"/>
-                <a:ea typeface="Agave"/>
-                <a:cs typeface="Agave"/>
-              </a:rPr>
-              <a:t>to inform himself or herself in regard to the laws of life</a:t>
-            </a:r>
-            <a:r>
-              <a:rPr lang="en-US" sz="2400" b="0" i="0" u="none" strike="noStrike" cap="none" spc="0">
-                <a:solidFill>
-                  <a:schemeClr val="bg1"/>
-                </a:solidFill>
-                <a:latin typeface="Agave"/>
-                <a:ea typeface="Agave"/>
-                <a:cs typeface="Agave"/>
-              </a:rPr>
-              <a:t> </a:t>
-            </a:r>
-            <a:endParaRPr lang="en-US" sz="2400" b="0" i="0" u="none" strike="noStrike" cap="none" spc="0">
-              <a:solidFill>
-                <a:schemeClr val="bg1"/>
-              </a:solidFill>
-              <a:latin typeface="Agave"/>
-              <a:ea typeface="Agave"/>
-              <a:cs typeface="Agave"/>
-            </a:endParaRPr>
-          </a:p>
-          <a:p>
-            <a:pPr>
-              <a:defRPr/>
-            </a:pPr>
-            <a:r>
-              <a:rPr lang="en-US" sz="2400" b="0" i="1" u="none" strike="noStrike" cap="none" spc="0">
-                <a:solidFill>
-                  <a:srgbClr val="EB6F92"/>
-                </a:solidFill>
-                <a:latin typeface="Agave"/>
-                <a:ea typeface="Agave"/>
-                <a:cs typeface="Agave"/>
-              </a:rPr>
-              <a:t>—The Ministry of Healing, 128, [1905]</a:t>
-            </a:r>
-            <a:r>
-              <a:rPr lang="en-US" sz="2400" b="0" i="0" u="none" strike="noStrike" cap="none" spc="0">
-                <a:solidFill>
-                  <a:schemeClr val="bg1"/>
-                </a:solidFill>
-                <a:latin typeface="Agave"/>
-                <a:ea typeface="Agave"/>
-                <a:cs typeface="Agave"/>
-              </a:rPr>
-              <a:t> </a:t>
-            </a:r>
-            <a:endParaRPr sz="2400" b="0" i="0" u="none" strike="noStrike" cap="none" spc="0">
-              <a:solidFill>
-                <a:schemeClr val="bg1"/>
-              </a:solidFill>
-              <a:latin typeface="Agave"/>
-              <a:ea typeface="Agave"/>
-              <a:cs typeface="Agave"/>
-            </a:endParaRPr>
-          </a:p>
-          <a:p>
-            <a:pPr>
-              <a:defRPr/>
-            </a:pPr>
-            <a:endParaRPr lang="en-US" sz="2400" b="0" i="0" u="none" strike="noStrike" cap="none" spc="0">
-              <a:solidFill>
-                <a:schemeClr val="bg1"/>
-              </a:solidFill>
-              <a:latin typeface="Agave"/>
-              <a:ea typeface="Agave"/>
-              <a:cs typeface="Agave"/>
-            </a:endParaRPr>
-          </a:p>
-          <a:p>
-            <a:pPr>
-              <a:defRPr/>
-            </a:pPr>
-            <a:r>
-              <a:rPr lang="en-US" sz="2400" b="0" i="0" u="none" strike="noStrike" cap="none" spc="0">
-                <a:solidFill>
-                  <a:schemeClr val="bg1"/>
-                </a:solidFill>
-                <a:latin typeface="Agave"/>
-                <a:ea typeface="Agave"/>
-                <a:cs typeface="Agave"/>
-              </a:rPr>
-              <a:t>“</a:t>
-            </a:r>
-            <a:r>
-              <a:rPr lang="en-US" sz="2400" b="0" i="0" u="none" strike="noStrike" cap="none" spc="0">
-                <a:solidFill>
-                  <a:srgbClr val="00B0F0"/>
-                </a:solidFill>
-                <a:latin typeface="Agave"/>
-                <a:ea typeface="Agave"/>
-                <a:cs typeface="Agave"/>
-              </a:rPr>
-              <a:t>Knowledge must be gained</a:t>
-            </a:r>
-            <a:r>
-              <a:rPr lang="en-US" sz="2400" b="0" i="0" u="none" strike="noStrike" cap="none" spc="0">
-                <a:solidFill>
-                  <a:schemeClr val="bg1"/>
-                </a:solidFill>
-                <a:latin typeface="Agave"/>
-                <a:ea typeface="Agave"/>
-                <a:cs typeface="Agave"/>
-              </a:rPr>
-              <a:t> in regards to how to eat and drink and dress so as to preserve health.”</a:t>
-            </a:r>
-            <a:endParaRPr lang="en-US" sz="2400" b="0" i="0" u="none" strike="noStrike" cap="none" spc="0">
-              <a:solidFill>
-                <a:schemeClr val="bg1"/>
-              </a:solidFill>
-              <a:latin typeface="Agave"/>
-              <a:ea typeface="Agave"/>
-              <a:cs typeface="Agave"/>
-            </a:endParaRPr>
-          </a:p>
-          <a:p>
-            <a:pPr>
-              <a:defRPr/>
-            </a:pPr>
-            <a:endParaRPr lang="en-US" sz="2400" b="0" i="0" u="none" strike="noStrike" cap="none" spc="0">
-              <a:solidFill>
-                <a:schemeClr val="bg1"/>
-              </a:solidFill>
-              <a:latin typeface="Agave"/>
-              <a:ea typeface="Agave"/>
-              <a:cs typeface="Agave"/>
-            </a:endParaRPr>
-          </a:p>
-          <a:p>
-            <a:pPr>
-              <a:defRPr/>
-            </a:pPr>
-            <a:r>
-              <a:rPr lang="en-US" sz="2400" b="0" i="0" u="none" strike="noStrike" cap="none" spc="0">
-                <a:solidFill>
-                  <a:schemeClr val="bg1"/>
-                </a:solidFill>
-                <a:latin typeface="Agave"/>
-                <a:ea typeface="Agave"/>
-                <a:cs typeface="Agave"/>
-              </a:rPr>
-              <a:t>Parents are accountable in a great degree... </a:t>
-            </a:r>
-            <a:r>
-              <a:rPr lang="en-US" sz="2400" b="0" i="0" u="none" strike="noStrike" cap="none" spc="0">
-                <a:solidFill>
-                  <a:srgbClr val="92D050"/>
-                </a:solidFill>
-                <a:latin typeface="Agave"/>
-                <a:ea typeface="Agave"/>
-                <a:cs typeface="Agave"/>
-              </a:rPr>
-              <a:t>God holds mothers accountable</a:t>
-            </a:r>
-            <a:r>
-              <a:rPr lang="en-US" sz="2400" b="0" i="0" u="none" strike="noStrike" cap="none" spc="0">
-                <a:solidFill>
-                  <a:schemeClr val="bg1"/>
-                </a:solidFill>
-                <a:latin typeface="Agave"/>
-                <a:ea typeface="Agave"/>
-                <a:cs typeface="Agave"/>
-              </a:rPr>
-              <a:t> for the </a:t>
-            </a:r>
-            <a:r>
-              <a:rPr lang="en-US" sz="2400" b="0" i="0" u="none" strike="noStrike" cap="none" spc="0">
-                <a:solidFill>
-                  <a:srgbClr val="FFC000"/>
-                </a:solidFill>
-                <a:latin typeface="Agave"/>
-                <a:ea typeface="Agave"/>
-                <a:cs typeface="Agave"/>
-              </a:rPr>
-              <a:t>diseases their children are compelled to suffer</a:t>
-            </a:r>
-            <a:r>
-              <a:rPr lang="en-US" sz="2400" b="0" i="0" u="none" strike="noStrike" cap="none" spc="0">
-                <a:solidFill>
-                  <a:schemeClr val="bg1"/>
-                </a:solidFill>
-                <a:latin typeface="Agave"/>
-                <a:ea typeface="Agave"/>
-                <a:cs typeface="Agave"/>
-              </a:rPr>
-              <a:t>.</a:t>
-            </a:r>
-            <a:endParaRPr lang="en-US" sz="2400" b="0" i="0" u="none" strike="noStrike" cap="none" spc="0">
-              <a:solidFill>
-                <a:schemeClr val="bg1"/>
-              </a:solidFill>
-              <a:latin typeface="Agave"/>
-              <a:ea typeface="Agave"/>
-              <a:cs typeface="Agave"/>
-            </a:endParaRPr>
-          </a:p>
-          <a:p>
-            <a:pPr>
-              <a:defRPr/>
-            </a:pPr>
-            <a:endParaRPr lang="en-US" sz="2400" b="0" i="0" u="none" strike="noStrike" cap="none" spc="0">
-              <a:solidFill>
-                <a:schemeClr val="bg1"/>
-              </a:solidFill>
-              <a:latin typeface="Agave"/>
-              <a:cs typeface="Agave"/>
-            </a:endParaRPr>
-          </a:p>
-          <a:p>
-            <a:pPr>
-              <a:defRPr/>
-            </a:pPr>
-            <a:r>
-              <a:rPr lang="en-US" sz="2400" b="0" i="1" u="none" strike="noStrike" cap="none" spc="0">
-                <a:solidFill>
-                  <a:srgbClr val="EB6F92"/>
-                </a:solidFill>
-                <a:latin typeface="Agave"/>
-                <a:ea typeface="Agave"/>
-                <a:cs typeface="Agave"/>
-              </a:rPr>
-              <a:t>-An Appeal to Mothers, Ellen G. White</a:t>
-            </a:r>
-            <a:endParaRPr sz="2400" b="0" i="1" u="none" strike="noStrike" cap="none" spc="0">
-              <a:solidFill>
-                <a:srgbClr val="EB6F92"/>
-              </a:solidFill>
-              <a:latin typeface="Agave"/>
-              <a:cs typeface="Agave"/>
-            </a:endParaRPr>
-          </a:p>
-        </p:txBody>
-      </p:sp>
-      <p:sp>
-        <p:nvSpPr>
-          <p:cNvPr id="1729101540" name="TextBox 6"/>
-          <p:cNvSpPr txBox="1"/>
-          <p:nvPr/>
-        </p:nvSpPr>
-        <p:spPr bwMode="auto">
-          <a:xfrm rot="0" flipH="0" flipV="0">
-            <a:off x="-414856" y="163460"/>
-            <a:ext cx="11105480" cy="782425"/>
-          </a:xfrm>
-          <a:prstGeom prst="rect">
-            <a:avLst/>
-          </a:prstGeom>
-        </p:spPr>
-        <p:txBody>
-          <a:bodyPr lIns="0" tIns="0" rIns="0" bIns="0" rtlCol="0" anchor="t">
-            <a:spAutoFit/>
-          </a:bodyPr>
-          <a:lstStyle/>
-          <a:p>
-            <a:pPr algn="ctr">
-              <a:lnSpc>
-                <a:spcPts val="6158"/>
-              </a:lnSpc>
-              <a:defRPr/>
-            </a:pPr>
-            <a:r>
-              <a:rPr lang="en-US" sz="2600" b="0">
-                <a:solidFill>
-                  <a:schemeClr val="bg1"/>
-                </a:solidFill>
-                <a:latin typeface="Agave"/>
-                <a:ea typeface="Agave"/>
-                <a:cs typeface="Agave"/>
-              </a:rPr>
-              <a:t>Educated Mothers and Rates of Childhood Malaria Infection</a:t>
-            </a:r>
-            <a:endParaRPr sz="2600" b="0">
-              <a:solidFill>
-                <a:schemeClr val="bg1"/>
-              </a:solidFill>
-              <a:latin typeface="Tinos"/>
-              <a:cs typeface="Tinos"/>
-            </a:endParaRPr>
-          </a:p>
-        </p:txBody>
-      </p:sp>
-      <p:sp>
-        <p:nvSpPr>
-          <p:cNvPr id="915488963" name="TextBox 6"/>
-          <p:cNvSpPr txBox="1"/>
-          <p:nvPr/>
-        </p:nvSpPr>
-        <p:spPr bwMode="auto">
-          <a:xfrm rot="0" flipH="0" flipV="0">
-            <a:off x="-80784" y="710786"/>
-            <a:ext cx="10592057" cy="782298"/>
-          </a:xfrm>
-          <a:prstGeom prst="rect">
-            <a:avLst/>
-          </a:prstGeom>
-        </p:spPr>
-        <p:txBody>
-          <a:bodyPr lIns="0" tIns="0" rIns="0" bIns="0" rtlCol="0" anchor="t">
-            <a:spAutoFit/>
-          </a:bodyPr>
-          <a:lstStyle/>
-          <a:p>
-            <a:pPr algn="ctr">
-              <a:lnSpc>
-                <a:spcPts val="6156"/>
-              </a:lnSpc>
-              <a:defRPr/>
-            </a:pPr>
-            <a:r>
-              <a:rPr lang="en-US" sz="2200" b="0">
-                <a:solidFill>
-                  <a:schemeClr val="bg1">
-                    <a:lumMod val="75000"/>
-                  </a:schemeClr>
-                </a:solidFill>
-                <a:latin typeface="Agave"/>
-                <a:ea typeface="Agave"/>
-                <a:cs typeface="Agave"/>
-              </a:rPr>
-              <a:t>Njau et al, </a:t>
-            </a:r>
-            <a:r>
-              <a:rPr lang="en-US" sz="2200" b="0" i="0" u="none" strike="noStrike" cap="none" spc="0">
-                <a:solidFill>
-                  <a:schemeClr val="bg1">
-                    <a:lumMod val="75000"/>
-                  </a:schemeClr>
-                </a:solidFill>
-                <a:latin typeface="Agave"/>
-                <a:ea typeface="Agave"/>
-                <a:cs typeface="Agave"/>
-              </a:rPr>
-              <a:t>Am. J. Trop. Med. Hyg., 91(3), 2014, pp. 509–519</a:t>
-            </a:r>
-            <a:endParaRPr sz="2200" b="0">
-              <a:solidFill>
-                <a:schemeClr val="bg1">
-                  <a:lumMod val="75000"/>
-                </a:schemeClr>
-              </a:solidFill>
-              <a:latin typeface="Tinos"/>
-              <a:cs typeface="Tinos"/>
-            </a:endParaRPr>
-          </a:p>
-        </p:txBody>
-      </p:sp>
       <p:sp>
         <p:nvSpPr>
           <p:cNvPr id="399661819" name=""/>
@@ -5916,14 +4841,14 @@
       </p:sp>
       <p:sp>
         <p:nvSpPr>
-          <p:cNvPr id="412903567" name="TextBox 6"/>
+          <p:cNvPr id="371054056" name="TextBox 6"/>
           <p:cNvSpPr txBox="1"/>
           <p:nvPr/>
         </p:nvSpPr>
         <p:spPr bwMode="auto">
           <a:xfrm rot="0" flipH="0" flipV="0">
-            <a:off x="501507" y="9279210"/>
-            <a:ext cx="4016785" cy="782298"/>
+            <a:off x="8875236" y="9443439"/>
+            <a:ext cx="1263219" cy="782552"/>
           </a:xfrm>
           <a:prstGeom prst="rect">
             <a:avLst/>
@@ -5937,7 +4862,55 @@
           <a:p>
             <a:pPr algn="ctr">
               <a:lnSpc>
-                <a:spcPts val="6156"/>
+                <a:spcPts val="6158"/>
+              </a:lnSpc>
+              <a:defRPr/>
+            </a:pPr>
+            <a:r>
+              <a:rPr lang="en-US" sz="2600" b="0">
+                <a:solidFill>
+                  <a:schemeClr val="bg1"/>
+                </a:solidFill>
+                <a:latin typeface="Agave"/>
+                <a:ea typeface="Agave"/>
+                <a:cs typeface="Agave"/>
+              </a:rPr>
+              <a:t>3/3</a:t>
+            </a:r>
+            <a:endParaRPr sz="2600" b="0">
+              <a:solidFill>
+                <a:schemeClr val="bg1"/>
+              </a:solidFill>
+              <a:latin typeface="Tinos"/>
+              <a:cs typeface="Tinos"/>
+            </a:endParaRPr>
+          </a:p>
+        </p:txBody>
+      </p:sp>
+      <p:sp>
+        <p:nvSpPr>
+          <p:cNvPr id="1191784627" name="TextBox 6"/>
+          <p:cNvSpPr txBox="1"/>
+          <p:nvPr/>
+        </p:nvSpPr>
+        <p:spPr bwMode="auto">
+          <a:xfrm rot="0" flipH="0" flipV="0">
+            <a:off x="173058" y="9377743"/>
+            <a:ext cx="4017504" cy="782172"/>
+          </a:xfrm>
+          <a:prstGeom prst="rect">
+            <a:avLst/>
+          </a:prstGeom>
+        </p:spPr>
+        <p:txBody>
+          <a:bodyPr lIns="0" tIns="0" rIns="0" bIns="0" rtlCol="0" anchor="t">
+            <a:spAutoFit/>
+          </a:bodyPr>
+          <a:lstStyle/>
+          <a:p>
+            <a:pPr algn="ctr">
+              <a:lnSpc>
+                <a:spcPts val="6155"/>
               </a:lnSpc>
               <a:defRPr/>
             </a:pPr>
@@ -5959,6 +4932,317 @@
               <a:latin typeface="Tinos"/>
               <a:cs typeface="Tinos"/>
             </a:endParaRPr>
+          </a:p>
+        </p:txBody>
+      </p:sp>
+      <p:cxnSp>
+        <p:nvCxnSpPr>
+          <p:cNvPr id="1980556868" name=""/>
+          <p:cNvCxnSpPr>
+            <a:cxnSpLocks/>
+          </p:cNvCxnSpPr>
+          <p:nvPr/>
+        </p:nvCxnSpPr>
+        <p:spPr bwMode="auto">
+          <a:xfrm flipH="0" flipV="0">
+            <a:off x="13611" y="9578863"/>
+            <a:ext cx="10247581" cy="75540"/>
+          </a:xfrm>
+          <a:prstGeom prst="line">
+            <a:avLst/>
+          </a:prstGeom>
+          <a:ln w="38099" cap="flat" cmpd="sng" algn="ctr">
+            <a:solidFill>
+              <a:schemeClr val="bg1"/>
+            </a:solidFill>
+            <a:prstDash val="solid"/>
+          </a:ln>
+        </p:spPr>
+        <p:style>
+          <a:lnRef idx="1">
+            <a:schemeClr val="accent1">
+              <a:shade val="50000"/>
+            </a:schemeClr>
+          </a:lnRef>
+          <a:fillRef idx="0">
+            <a:schemeClr val="accent1"/>
+          </a:fillRef>
+          <a:effectRef idx="0">
+            <a:schemeClr val="accent1"/>
+          </a:effectRef>
+          <a:fontRef idx="minor">
+            <a:schemeClr val="tx1"/>
+          </a:fontRef>
+        </p:style>
+      </p:cxnSp>
+      <p:sp>
+        <p:nvSpPr>
+          <p:cNvPr id="1554245352" name=""/>
+          <p:cNvSpPr txBox="1"/>
+          <p:nvPr/>
+        </p:nvSpPr>
+        <p:spPr bwMode="auto">
+          <a:xfrm flipH="0" flipV="0">
+            <a:off x="970763" y="1159416"/>
+            <a:ext cx="8616389" cy="7803239"/>
+          </a:xfrm>
+          <a:prstGeom prst="rect">
+            <a:avLst/>
+          </a:prstGeom>
+          <a:noFill/>
+        </p:spPr>
+        <p:txBody>
+          <a:bodyPr vertOverflow="overflow" horzOverflow="overflow" vert="horz" wrap="square" lIns="91440" tIns="45720" rIns="91440" bIns="45720" numCol="1" spcCol="0" rtlCol="0" fromWordArt="0" anchor="t" anchorCtr="0" forceAA="0" upright="0" compatLnSpc="0">
+            <a:spAutoFit/>
+          </a:bodyPr>
+          <a:p>
+            <a:pPr>
+              <a:defRPr/>
+            </a:pPr>
+            <a:r>
+              <a:rPr lang="en-US" sz="3600" b="0" i="1" u="none" strike="noStrike" cap="none" spc="0">
+                <a:solidFill>
+                  <a:srgbClr val="EB6F92"/>
+                </a:solidFill>
+                <a:latin typeface="Agave"/>
+                <a:ea typeface="Agave"/>
+                <a:cs typeface="Agave"/>
+              </a:rPr>
+              <a:t>Hosea 4:6 </a:t>
+            </a:r>
+            <a:r>
+              <a:rPr lang="en-US" sz="3600" b="0" i="0" u="none" strike="noStrike" cap="none" spc="0">
+                <a:solidFill>
+                  <a:schemeClr val="bg1"/>
+                </a:solidFill>
+                <a:latin typeface="Agave"/>
+                <a:ea typeface="Agave"/>
+                <a:cs typeface="Agave"/>
+              </a:rPr>
+              <a:t>“My people are destroyed for lack of </a:t>
+            </a:r>
+            <a:r>
+              <a:rPr lang="en-US" sz="3600" b="0" i="0" u="none" strike="noStrike" cap="none" spc="0">
+                <a:solidFill>
+                  <a:srgbClr val="00B0F0"/>
+                </a:solidFill>
+                <a:latin typeface="Agave"/>
+                <a:ea typeface="Agave"/>
+                <a:cs typeface="Agave"/>
+              </a:rPr>
+              <a:t>knowledge</a:t>
+            </a:r>
+            <a:r>
+              <a:rPr lang="en-US" sz="3600" b="0" i="0" u="none" strike="noStrike" cap="none" spc="0">
+                <a:solidFill>
+                  <a:schemeClr val="bg1"/>
+                </a:solidFill>
+                <a:latin typeface="Agave"/>
+                <a:ea typeface="Agave"/>
+                <a:cs typeface="Agave"/>
+              </a:rPr>
+              <a:t>”</a:t>
+            </a:r>
+            <a:endParaRPr sz="3600" b="0" i="0" u="none" strike="noStrike" cap="none" spc="0">
+              <a:solidFill>
+                <a:schemeClr val="bg1"/>
+              </a:solidFill>
+              <a:latin typeface="Agave"/>
+              <a:ea typeface="Agave"/>
+              <a:cs typeface="Agave"/>
+            </a:endParaRPr>
+          </a:p>
+          <a:p>
+            <a:pPr>
+              <a:defRPr/>
+            </a:pPr>
+            <a:endParaRPr sz="3600" b="0" i="0" u="none" strike="noStrike" cap="none" spc="0">
+              <a:solidFill>
+                <a:schemeClr val="bg1"/>
+              </a:solidFill>
+              <a:latin typeface="Agave"/>
+              <a:ea typeface="Agave"/>
+              <a:cs typeface="Agave"/>
+            </a:endParaRPr>
+          </a:p>
+          <a:p>
+            <a:pPr>
+              <a:defRPr/>
+            </a:pPr>
+            <a:r>
+              <a:rPr lang="en-US" sz="3600" b="0" i="0" u="none" strike="noStrike" cap="none" spc="0">
+                <a:solidFill>
+                  <a:schemeClr val="bg1"/>
+                </a:solidFill>
+                <a:latin typeface="Agave"/>
+                <a:ea typeface="Agave"/>
+                <a:cs typeface="Agave"/>
+              </a:rPr>
+              <a:t>...It is the duty of every person, for one's own sake, and for the sake of humanity, </a:t>
+            </a:r>
+            <a:r>
+              <a:rPr lang="en-US" sz="3600" b="0" i="0" u="none" strike="noStrike" cap="none" spc="0">
+                <a:solidFill>
+                  <a:schemeClr val="accent3"/>
+                </a:solidFill>
+                <a:latin typeface="Agave"/>
+                <a:ea typeface="Agave"/>
+                <a:cs typeface="Agave"/>
+              </a:rPr>
+              <a:t>to inform himself or herself in regard to the laws of life</a:t>
+            </a:r>
+            <a:r>
+              <a:rPr lang="en-US" sz="3600" b="0" i="0" u="none" strike="noStrike" cap="none" spc="0">
+                <a:solidFill>
+                  <a:schemeClr val="bg1"/>
+                </a:solidFill>
+                <a:latin typeface="Agave"/>
+                <a:ea typeface="Agave"/>
+                <a:cs typeface="Agave"/>
+              </a:rPr>
+              <a:t> </a:t>
+            </a:r>
+            <a:endParaRPr sz="3600" b="0" i="0" u="none" strike="noStrike" cap="none" spc="0">
+              <a:solidFill>
+                <a:schemeClr val="bg1"/>
+              </a:solidFill>
+              <a:latin typeface="Agave"/>
+              <a:ea typeface="Agave"/>
+              <a:cs typeface="Agave"/>
+            </a:endParaRPr>
+          </a:p>
+          <a:p>
+            <a:pPr>
+              <a:defRPr/>
+            </a:pPr>
+            <a:r>
+              <a:rPr lang="en-US" sz="2800" b="0" i="1" u="none" strike="noStrike" cap="none" spc="0">
+                <a:solidFill>
+                  <a:schemeClr val="bg1"/>
+                </a:solidFill>
+                <a:latin typeface="Agave"/>
+                <a:ea typeface="Agave"/>
+                <a:cs typeface="Agave"/>
+              </a:rPr>
+              <a:t>The Ministry of Healing, 128, [1905]</a:t>
+            </a:r>
+            <a:r>
+              <a:rPr lang="en-US" sz="2800" b="0" i="1" u="none" strike="noStrike" cap="none" spc="0">
+                <a:solidFill>
+                  <a:schemeClr val="bg1"/>
+                </a:solidFill>
+                <a:latin typeface="Agave"/>
+                <a:ea typeface="Agave"/>
+                <a:cs typeface="Agave"/>
+              </a:rPr>
+              <a:t> </a:t>
+            </a:r>
+            <a:endParaRPr sz="2800" b="0" i="1" u="none" strike="noStrike" cap="none" spc="0">
+              <a:solidFill>
+                <a:schemeClr val="bg1"/>
+              </a:solidFill>
+              <a:latin typeface="Agave"/>
+              <a:ea typeface="Agave"/>
+              <a:cs typeface="Agave"/>
+            </a:endParaRPr>
+          </a:p>
+          <a:p>
+            <a:pPr>
+              <a:defRPr/>
+            </a:pPr>
+            <a:endParaRPr sz="3600" b="0" i="0" u="none" strike="noStrike" cap="none" spc="0">
+              <a:solidFill>
+                <a:schemeClr val="bg1"/>
+              </a:solidFill>
+              <a:latin typeface="Agave"/>
+              <a:ea typeface="Agave"/>
+              <a:cs typeface="Agave"/>
+            </a:endParaRPr>
+          </a:p>
+          <a:p>
+            <a:pPr>
+              <a:defRPr/>
+            </a:pPr>
+            <a:r>
+              <a:rPr lang="en-US" sz="3600" b="0" i="0" u="none" strike="noStrike" cap="none" spc="0">
+                <a:solidFill>
+                  <a:srgbClr val="92D050"/>
+                </a:solidFill>
+                <a:latin typeface="Agave"/>
+                <a:ea typeface="Agave"/>
+                <a:cs typeface="Agave"/>
+              </a:rPr>
+              <a:t>God holds mothers accountable</a:t>
+            </a:r>
+            <a:r>
+              <a:rPr lang="en-US" sz="3600" b="0" i="0" u="none" strike="noStrike" cap="none" spc="0">
+                <a:solidFill>
+                  <a:schemeClr val="bg1"/>
+                </a:solidFill>
+                <a:latin typeface="Agave"/>
+                <a:ea typeface="Agave"/>
+                <a:cs typeface="Agave"/>
+              </a:rPr>
+              <a:t> for the </a:t>
+            </a:r>
+            <a:r>
+              <a:rPr lang="en-US" sz="3600" b="0" i="0" u="none" strike="noStrike" cap="none" spc="0">
+                <a:solidFill>
+                  <a:srgbClr val="FFC000"/>
+                </a:solidFill>
+                <a:latin typeface="Agave"/>
+                <a:ea typeface="Agave"/>
+                <a:cs typeface="Agave"/>
+              </a:rPr>
+              <a:t>diseases their children are compelled to suffer</a:t>
+            </a:r>
+            <a:r>
+              <a:rPr lang="en-US" sz="3600" b="0" i="0" u="none" strike="noStrike" cap="none" spc="0">
+                <a:solidFill>
+                  <a:schemeClr val="bg1"/>
+                </a:solidFill>
+                <a:latin typeface="Agave"/>
+                <a:ea typeface="Agave"/>
+                <a:cs typeface="Agave"/>
+              </a:rPr>
+              <a:t>.</a:t>
+            </a:r>
+            <a:endParaRPr lang="en-US" sz="3600" b="0" i="0" u="none" strike="noStrike" cap="none" spc="0">
+              <a:solidFill>
+                <a:schemeClr val="bg1"/>
+              </a:solidFill>
+              <a:latin typeface="Times New Roman"/>
+              <a:cs typeface="Times New Roman"/>
+            </a:endParaRPr>
+          </a:p>
+          <a:p>
+            <a:pPr>
+              <a:defRPr/>
+            </a:pPr>
+            <a:r>
+              <a:rPr lang="en-US" sz="2800" b="0" i="1" u="none" strike="noStrike" cap="none" spc="0">
+                <a:solidFill>
+                  <a:schemeClr val="bg1"/>
+                </a:solidFill>
+                <a:latin typeface="Agave"/>
+                <a:ea typeface="Agave"/>
+                <a:cs typeface="Agave"/>
+              </a:rPr>
+              <a:t>An Appeal to Mothers, Ellen G. White</a:t>
+            </a:r>
+            <a:endParaRPr sz="2800" b="0" i="1" u="none" strike="noStrike" cap="none" spc="0">
+              <a:solidFill>
+                <a:schemeClr val="bg1"/>
+              </a:solidFill>
+              <a:latin typeface="Agave"/>
+              <a:cs typeface="Agave"/>
+            </a:endParaRPr>
+          </a:p>
+          <a:p>
+            <a:pPr>
+              <a:defRPr/>
+            </a:pPr>
+            <a:endParaRPr/>
           </a:p>
         </p:txBody>
       </p:sp>

--- a/posts/4/slides.pptx
+++ b/posts/4/slides.pptx
@@ -4064,54 +4064,6 @@
           </a:p>
         </p:txBody>
       </p:sp>
-      <p:sp>
-        <p:nvSpPr>
-          <p:cNvPr id="1226102115" name="TextBox 6"/>
-          <p:cNvSpPr txBox="1"/>
-          <p:nvPr/>
-        </p:nvSpPr>
-        <p:spPr bwMode="auto">
-          <a:xfrm rot="0" flipH="0" flipV="0">
-            <a:off x="173058" y="9377743"/>
-            <a:ext cx="4017504" cy="782172"/>
-          </a:xfrm>
-          <a:prstGeom prst="rect">
-            <a:avLst/>
-          </a:prstGeom>
-        </p:spPr>
-        <p:txBody>
-          <a:bodyPr lIns="0" tIns="0" rIns="0" bIns="0" rtlCol="0" anchor="t">
-            <a:spAutoFit/>
-          </a:bodyPr>
-          <a:lstStyle/>
-          <a:p>
-            <a:pPr algn="ctr">
-              <a:lnSpc>
-                <a:spcPts val="6155"/>
-              </a:lnSpc>
-              <a:defRPr/>
-            </a:pPr>
-            <a:r>
-              <a:rPr lang="en-US" sz="2600" b="0">
-                <a:solidFill>
-                  <a:schemeClr val="bg1"/>
-                </a:solidFill>
-                <a:latin typeface="Agave"/>
-                <a:ea typeface="Agave"/>
-                <a:cs typeface="Agave"/>
-              </a:rPr>
-              <a:t>Counsels on Lifestyle</a:t>
-            </a:r>
-            <a:endParaRPr sz="2600" b="0">
-              <a:solidFill>
-                <a:schemeClr val="bg1"/>
-              </a:solidFill>
-              <a:latin typeface="Tinos"/>
-              <a:cs typeface="Tinos"/>
-            </a:endParaRPr>
-          </a:p>
-        </p:txBody>
-      </p:sp>
       <p:cxnSp>
         <p:nvCxnSpPr>
           <p:cNvPr id="1646113097" name=""/>
@@ -4281,6 +4233,54 @@
           </a:fontRef>
         </p:style>
       </p:cxnSp>
+      <p:sp>
+        <p:nvSpPr>
+          <p:cNvPr id="1181490745" name="TextBox 6"/>
+          <p:cNvSpPr txBox="1"/>
+          <p:nvPr/>
+        </p:nvSpPr>
+        <p:spPr bwMode="auto">
+          <a:xfrm rot="0" flipH="0" flipV="0">
+            <a:off x="173055" y="9377742"/>
+            <a:ext cx="4594244" cy="782044"/>
+          </a:xfrm>
+          <a:prstGeom prst="rect">
+            <a:avLst/>
+          </a:prstGeom>
+        </p:spPr>
+        <p:txBody>
+          <a:bodyPr lIns="0" tIns="0" rIns="0" bIns="0" rtlCol="0" anchor="t">
+            <a:spAutoFit/>
+          </a:bodyPr>
+          <a:lstStyle/>
+          <a:p>
+            <a:pPr algn="ctr">
+              <a:lnSpc>
+                <a:spcPts val="6154"/>
+              </a:lnSpc>
+              <a:defRPr/>
+            </a:pPr>
+            <a:r>
+              <a:rPr lang="en-US" sz="2600" b="0">
+                <a:solidFill>
+                  <a:schemeClr val="bg1"/>
+                </a:solidFill>
+                <a:latin typeface="Agave"/>
+                <a:ea typeface="Agave"/>
+                <a:cs typeface="Agave"/>
+              </a:rPr>
+              <a:t>The Health Message Works!</a:t>
+            </a:r>
+            <a:endParaRPr sz="2600" b="0">
+              <a:solidFill>
+                <a:schemeClr val="bg1"/>
+              </a:solidFill>
+              <a:latin typeface="Tinos"/>
+              <a:cs typeface="Tinos"/>
+            </a:endParaRPr>
+          </a:p>
+        </p:txBody>
+      </p:sp>
     </p:spTree>
   </p:cSld>
   <p:clrMapOvr>
@@ -4419,54 +4419,6 @@
           </a:p>
         </p:txBody>
       </p:sp>
-      <p:sp>
-        <p:nvSpPr>
-          <p:cNvPr id="771848916" name="TextBox 6"/>
-          <p:cNvSpPr txBox="1"/>
-          <p:nvPr/>
-        </p:nvSpPr>
-        <p:spPr bwMode="auto">
-          <a:xfrm rot="0" flipH="0" flipV="0">
-            <a:off x="173058" y="9377743"/>
-            <a:ext cx="4017504" cy="782172"/>
-          </a:xfrm>
-          <a:prstGeom prst="rect">
-            <a:avLst/>
-          </a:prstGeom>
-        </p:spPr>
-        <p:txBody>
-          <a:bodyPr lIns="0" tIns="0" rIns="0" bIns="0" rtlCol="0" anchor="t">
-            <a:spAutoFit/>
-          </a:bodyPr>
-          <a:lstStyle/>
-          <a:p>
-            <a:pPr algn="ctr">
-              <a:lnSpc>
-                <a:spcPts val="6155"/>
-              </a:lnSpc>
-              <a:defRPr/>
-            </a:pPr>
-            <a:r>
-              <a:rPr lang="en-US" sz="2600" b="0">
-                <a:solidFill>
-                  <a:schemeClr val="bg1"/>
-                </a:solidFill>
-                <a:latin typeface="Agave"/>
-                <a:ea typeface="Agave"/>
-                <a:cs typeface="Agave"/>
-              </a:rPr>
-              <a:t>Counsels on Lifestyle</a:t>
-            </a:r>
-            <a:endParaRPr sz="2600" b="0">
-              <a:solidFill>
-                <a:schemeClr val="bg1"/>
-              </a:solidFill>
-              <a:latin typeface="Tinos"/>
-              <a:cs typeface="Tinos"/>
-            </a:endParaRPr>
-          </a:p>
-        </p:txBody>
-      </p:sp>
       <p:cxnSp>
         <p:nvCxnSpPr>
           <p:cNvPr id="1313382190" name=""/>
@@ -4749,6 +4701,139 @@
           </a:p>
         </p:txBody>
       </p:sp>
+      <p:sp>
+        <p:nvSpPr>
+          <p:cNvPr id="1864522304" name="TextBox 6"/>
+          <p:cNvSpPr txBox="1"/>
+          <p:nvPr/>
+        </p:nvSpPr>
+        <p:spPr bwMode="auto">
+          <a:xfrm rot="0" flipH="0" flipV="0">
+            <a:off x="173055" y="9377742"/>
+            <a:ext cx="4594244" cy="782044"/>
+          </a:xfrm>
+          <a:prstGeom prst="rect">
+            <a:avLst/>
+          </a:prstGeom>
+        </p:spPr>
+        <p:txBody>
+          <a:bodyPr lIns="0" tIns="0" rIns="0" bIns="0" rtlCol="0" anchor="t">
+            <a:spAutoFit/>
+          </a:bodyPr>
+          <a:lstStyle/>
+          <a:p>
+            <a:pPr algn="ctr">
+              <a:lnSpc>
+                <a:spcPts val="6154"/>
+              </a:lnSpc>
+              <a:defRPr/>
+            </a:pPr>
+            <a:r>
+              <a:rPr lang="en-US" sz="2600" b="0">
+                <a:solidFill>
+                  <a:schemeClr val="bg1"/>
+                </a:solidFill>
+                <a:latin typeface="Agave"/>
+                <a:ea typeface="Agave"/>
+                <a:cs typeface="Agave"/>
+              </a:rPr>
+              <a:t>The Health Message Works!</a:t>
+            </a:r>
+            <a:endParaRPr sz="2600" b="0">
+              <a:solidFill>
+                <a:schemeClr val="bg1"/>
+              </a:solidFill>
+              <a:latin typeface="Tinos"/>
+              <a:cs typeface="Tinos"/>
+            </a:endParaRPr>
+          </a:p>
+        </p:txBody>
+      </p:sp>
+      <p:sp>
+        <p:nvSpPr>
+          <p:cNvPr id="1982836868" name=""/>
+          <p:cNvSpPr txBox="1"/>
+          <p:nvPr/>
+        </p:nvSpPr>
+        <p:spPr bwMode="auto">
+          <a:xfrm flipH="0" flipV="0">
+            <a:off x="3517758" y="155342"/>
+            <a:ext cx="6557610" cy="488039"/>
+          </a:xfrm>
+          <a:prstGeom prst="rect">
+            <a:avLst/>
+          </a:prstGeom>
+          <a:noFill/>
+        </p:spPr>
+        <p:txBody>
+          <a:bodyPr vertOverflow="overflow" horzOverflow="overflow" vert="horz" wrap="square" lIns="91440" tIns="45720" rIns="91440" bIns="45720" numCol="1" spcCol="0" rtlCol="0" fromWordArt="0" anchor="t" anchorCtr="0" forceAA="0" upright="0" compatLnSpc="0">
+            <a:spAutoFit/>
+          </a:bodyPr>
+          <a:p>
+            <a:pPr algn="r">
+              <a:defRPr/>
+            </a:pPr>
+            <a:r>
+              <a:rPr sz="2600" b="0">
+                <a:solidFill>
+                  <a:schemeClr val="bg1"/>
+                </a:solidFill>
+                <a:latin typeface="Agave"/>
+                <a:ea typeface="Agave"/>
+                <a:cs typeface="Agave"/>
+              </a:rPr>
+              <a:t>Scientific Research - 2014</a:t>
+            </a:r>
+            <a:endParaRPr sz="2600" b="0">
+              <a:solidFill>
+                <a:schemeClr val="bg1"/>
+              </a:solidFill>
+              <a:latin typeface="Agave"/>
+              <a:cs typeface="Agave"/>
+            </a:endParaRPr>
+          </a:p>
+        </p:txBody>
+      </p:sp>
+      <p:cxnSp>
+        <p:nvCxnSpPr>
+          <p:cNvPr id="1943181263" name=""/>
+          <p:cNvCxnSpPr>
+            <a:cxnSpLocks/>
+          </p:cNvCxnSpPr>
+          <p:nvPr/>
+        </p:nvCxnSpPr>
+        <p:spPr bwMode="auto">
+          <a:xfrm flipH="0" flipV="0">
+            <a:off x="1785" y="698934"/>
+            <a:ext cx="10247580" cy="75539"/>
+          </a:xfrm>
+          <a:prstGeom prst="line">
+            <a:avLst/>
+          </a:prstGeom>
+          <a:ln w="38099" cap="flat" cmpd="sng" algn="ctr">
+            <a:solidFill>
+              <a:srgbClr val="FFFFFF"/>
+            </a:solidFill>
+            <a:prstDash val="solid"/>
+          </a:ln>
+        </p:spPr>
+        <p:style>
+          <a:lnRef idx="1">
+            <a:schemeClr val="accent1">
+              <a:shade val="50000"/>
+            </a:schemeClr>
+          </a:lnRef>
+          <a:fillRef idx="0">
+            <a:schemeClr val="accent1"/>
+          </a:fillRef>
+          <a:effectRef idx="0">
+            <a:schemeClr val="accent1"/>
+          </a:effectRef>
+          <a:fontRef idx="minor">
+            <a:schemeClr val="tx1"/>
+          </a:fontRef>
+        </p:style>
+      </p:cxnSp>
     </p:spTree>
   </p:cSld>
   <p:clrMapOvr>
@@ -4887,54 +4972,6 @@
           </a:p>
         </p:txBody>
       </p:sp>
-      <p:sp>
-        <p:nvSpPr>
-          <p:cNvPr id="1191784627" name="TextBox 6"/>
-          <p:cNvSpPr txBox="1"/>
-          <p:nvPr/>
-        </p:nvSpPr>
-        <p:spPr bwMode="auto">
-          <a:xfrm rot="0" flipH="0" flipV="0">
-            <a:off x="173058" y="9377743"/>
-            <a:ext cx="4017504" cy="782172"/>
-          </a:xfrm>
-          <a:prstGeom prst="rect">
-            <a:avLst/>
-          </a:prstGeom>
-        </p:spPr>
-        <p:txBody>
-          <a:bodyPr lIns="0" tIns="0" rIns="0" bIns="0" rtlCol="0" anchor="t">
-            <a:spAutoFit/>
-          </a:bodyPr>
-          <a:lstStyle/>
-          <a:p>
-            <a:pPr algn="ctr">
-              <a:lnSpc>
-                <a:spcPts val="6155"/>
-              </a:lnSpc>
-              <a:defRPr/>
-            </a:pPr>
-            <a:r>
-              <a:rPr lang="en-US" sz="2600" b="0">
-                <a:solidFill>
-                  <a:schemeClr val="bg1"/>
-                </a:solidFill>
-                <a:latin typeface="Agave"/>
-                <a:ea typeface="Agave"/>
-                <a:cs typeface="Agave"/>
-              </a:rPr>
-              <a:t>Counsels on Lifestyle</a:t>
-            </a:r>
-            <a:endParaRPr sz="2600" b="0">
-              <a:solidFill>
-                <a:schemeClr val="bg1"/>
-              </a:solidFill>
-              <a:latin typeface="Tinos"/>
-              <a:cs typeface="Tinos"/>
-            </a:endParaRPr>
-          </a:p>
-        </p:txBody>
-      </p:sp>
       <p:cxnSp>
         <p:nvCxnSpPr>
           <p:cNvPr id="1980556868" name=""/>
@@ -5246,6 +5283,139 @@
           </a:p>
         </p:txBody>
       </p:sp>
+      <p:sp>
+        <p:nvSpPr>
+          <p:cNvPr id="1689934649" name="TextBox 6"/>
+          <p:cNvSpPr txBox="1"/>
+          <p:nvPr/>
+        </p:nvSpPr>
+        <p:spPr bwMode="auto">
+          <a:xfrm rot="0" flipH="0" flipV="0">
+            <a:off x="173055" y="9377742"/>
+            <a:ext cx="4594244" cy="782044"/>
+          </a:xfrm>
+          <a:prstGeom prst="rect">
+            <a:avLst/>
+          </a:prstGeom>
+        </p:spPr>
+        <p:txBody>
+          <a:bodyPr lIns="0" tIns="0" rIns="0" bIns="0" rtlCol="0" anchor="t">
+            <a:spAutoFit/>
+          </a:bodyPr>
+          <a:lstStyle/>
+          <a:p>
+            <a:pPr algn="ctr">
+              <a:lnSpc>
+                <a:spcPts val="6154"/>
+              </a:lnSpc>
+              <a:defRPr/>
+            </a:pPr>
+            <a:r>
+              <a:rPr lang="en-US" sz="2600" b="0">
+                <a:solidFill>
+                  <a:schemeClr val="bg1"/>
+                </a:solidFill>
+                <a:latin typeface="Agave"/>
+                <a:ea typeface="Agave"/>
+                <a:cs typeface="Agave"/>
+              </a:rPr>
+              <a:t>The Health Message Works!</a:t>
+            </a:r>
+            <a:endParaRPr sz="2600" b="0">
+              <a:solidFill>
+                <a:schemeClr val="bg1"/>
+              </a:solidFill>
+              <a:latin typeface="Tinos"/>
+              <a:cs typeface="Tinos"/>
+            </a:endParaRPr>
+          </a:p>
+        </p:txBody>
+      </p:sp>
+      <p:sp>
+        <p:nvSpPr>
+          <p:cNvPr id="56148521" name=""/>
+          <p:cNvSpPr txBox="1"/>
+          <p:nvPr/>
+        </p:nvSpPr>
+        <p:spPr bwMode="auto">
+          <a:xfrm flipH="0" flipV="0">
+            <a:off x="3517758" y="155342"/>
+            <a:ext cx="6548250" cy="488039"/>
+          </a:xfrm>
+          <a:prstGeom prst="rect">
+            <a:avLst/>
+          </a:prstGeom>
+          <a:noFill/>
+        </p:spPr>
+        <p:txBody>
+          <a:bodyPr vertOverflow="overflow" horzOverflow="overflow" vert="horz" wrap="square" lIns="91440" tIns="45720" rIns="91440" bIns="45720" numCol="1" spcCol="0" rtlCol="0" fromWordArt="0" anchor="t" anchorCtr="0" forceAA="0" upright="0" compatLnSpc="0">
+            <a:spAutoFit/>
+          </a:bodyPr>
+          <a:p>
+            <a:pPr algn="r">
+              <a:defRPr/>
+            </a:pPr>
+            <a:r>
+              <a:rPr sz="2600" b="0">
+                <a:solidFill>
+                  <a:schemeClr val="bg1"/>
+                </a:solidFill>
+                <a:latin typeface="Agave"/>
+                <a:ea typeface="Agave"/>
+                <a:cs typeface="Agave"/>
+              </a:rPr>
+              <a:t>Ellen G. White - 1905</a:t>
+            </a:r>
+            <a:endParaRPr sz="2600" b="0">
+              <a:solidFill>
+                <a:schemeClr val="bg1"/>
+              </a:solidFill>
+              <a:latin typeface="Agave"/>
+              <a:cs typeface="Agave"/>
+            </a:endParaRPr>
+          </a:p>
+        </p:txBody>
+      </p:sp>
+      <p:cxnSp>
+        <p:nvCxnSpPr>
+          <p:cNvPr id="1713350805" name=""/>
+          <p:cNvCxnSpPr>
+            <a:cxnSpLocks/>
+          </p:cNvCxnSpPr>
+          <p:nvPr/>
+        </p:nvCxnSpPr>
+        <p:spPr bwMode="auto">
+          <a:xfrm flipH="0" flipV="0">
+            <a:off x="1785" y="698934"/>
+            <a:ext cx="10247580" cy="75539"/>
+          </a:xfrm>
+          <a:prstGeom prst="line">
+            <a:avLst/>
+          </a:prstGeom>
+          <a:ln w="38099" cap="flat" cmpd="sng" algn="ctr">
+            <a:solidFill>
+              <a:srgbClr val="FFFFFF"/>
+            </a:solidFill>
+            <a:prstDash val="solid"/>
+          </a:ln>
+        </p:spPr>
+        <p:style>
+          <a:lnRef idx="1">
+            <a:schemeClr val="accent1">
+              <a:shade val="50000"/>
+            </a:schemeClr>
+          </a:lnRef>
+          <a:fillRef idx="0">
+            <a:schemeClr val="accent1"/>
+          </a:fillRef>
+          <a:effectRef idx="0">
+            <a:schemeClr val="accent1"/>
+          </a:effectRef>
+          <a:fontRef idx="minor">
+            <a:schemeClr val="tx1"/>
+          </a:fontRef>
+        </p:style>
+      </p:cxnSp>
     </p:spTree>
   </p:cSld>
   <p:clrMapOvr>
